--- a/Docs/DirectoryWatcher.pptx
+++ b/Docs/DirectoryWatcher.pptx
@@ -112,6 +112,11 @@
       </a:defRPr>
     </a:lvl9pPr>
   </p:defaultTextStyle>
+  <p:extLst>
+    <p:ext uri="{EFAFB233-063F-42B5-8137-9DF3F51BA10A}">
+      <p15:sldGuideLst xmlns:p15="http://schemas.microsoft.com/office/powerpoint/2012/main"/>
+    </p:ext>
+  </p:extLst>
 </p:presentation>
 </file>
 
@@ -8774,7 +8779,6 @@
                         <a:rPr lang="en-US" b="1" noProof="0" dirty="0" smtClean="0"/>
                         <a:t>Demo</a:t>
                       </a:r>
-                      <a:endParaRPr lang="en-US" b="1" noProof="0" dirty="0" smtClean="0"/>
                     </a:p>
                   </a:txBody>
                   <a:tcPr marL="90784" marR="90784" anchor="ctr">
@@ -9031,11 +9035,6 @@
               </a:rPr>
               <a:t>Directory Watcher</a:t>
             </a:r>
-            <a:endParaRPr lang="en-US" sz="1600" dirty="0" smtClean="0">
-              <a:solidFill>
-                <a:schemeClr val="bg1"/>
-              </a:solidFill>
-            </a:endParaRPr>
           </a:p>
         </p:txBody>
       </p:sp>
@@ -9082,11 +9081,6 @@
               </a:rPr>
               <a:t>Configure</a:t>
             </a:r>
-            <a:endParaRPr lang="en-US" sz="1600" dirty="0" smtClean="0">
-              <a:solidFill>
-                <a:schemeClr val="bg1"/>
-              </a:solidFill>
-            </a:endParaRPr>
           </a:p>
         </p:txBody>
       </p:sp>
@@ -9133,11 +9127,6 @@
               </a:rPr>
               <a:t>D:\SampleApp</a:t>
             </a:r>
-            <a:endParaRPr lang="en-US" sz="1600" dirty="0" smtClean="0">
-              <a:solidFill>
-                <a:schemeClr val="bg1"/>
-              </a:solidFill>
-            </a:endParaRPr>
           </a:p>
         </p:txBody>
       </p:sp>
@@ -10089,11 +10078,6 @@
               </a:rPr>
               <a:t>.NET Standard</a:t>
             </a:r>
-            <a:endParaRPr lang="en-US" sz="1600" dirty="0" smtClean="0">
-              <a:solidFill>
-                <a:schemeClr val="bg1"/>
-              </a:solidFill>
-            </a:endParaRPr>
           </a:p>
         </p:txBody>
       </p:sp>
@@ -10197,11 +10181,6 @@
               </a:rPr>
               <a:t>Tools used</a:t>
             </a:r>
-            <a:endParaRPr lang="en-US" sz="1600" dirty="0" smtClean="0">
-              <a:solidFill>
-                <a:schemeClr val="bg1"/>
-              </a:solidFill>
-            </a:endParaRPr>
           </a:p>
         </p:txBody>
       </p:sp>
@@ -10228,7 +10207,7 @@
         </p:blipFill>
         <p:spPr bwMode="auto">
           <a:xfrm>
-            <a:off x="7385443" y="2829519"/>
+            <a:off x="7385443" y="2305460"/>
             <a:ext cx="1483418" cy="741709"/>
           </a:xfrm>
           <a:prstGeom prst="rect">
@@ -10295,7 +10274,7 @@
         </p:nvSpPr>
         <p:spPr>
           <a:xfrm>
-            <a:off x="8238630" y="4293699"/>
+            <a:off x="8256458" y="3914099"/>
             <a:ext cx="509370" cy="246221"/>
           </a:xfrm>
           <a:prstGeom prst="rect">
@@ -10330,13 +10309,6 @@
               </a:rPr>
               <a:t>Remix</a:t>
             </a:r>
-            <a:endParaRPr lang="en-US" sz="1600" dirty="0" smtClean="0">
-              <a:solidFill>
-                <a:srgbClr val="131313"/>
-              </a:solidFill>
-              <a:latin typeface="Calibri" panose="020F0502020204030204" pitchFamily="34" charset="0"/>
-              <a:cs typeface="Calibri" panose="020F0502020204030204" pitchFamily="34" charset="0"/>
-            </a:endParaRPr>
           </a:p>
         </p:txBody>
       </p:sp>
@@ -10363,7 +10335,7 @@
         </p:blipFill>
         <p:spPr bwMode="auto">
           <a:xfrm>
-            <a:off x="7506341" y="4134471"/>
+            <a:off x="7524169" y="3754871"/>
             <a:ext cx="610285" cy="610285"/>
           </a:xfrm>
           <a:prstGeom prst="rect">
@@ -10613,6 +10585,89 @@
               <a:t>Technology stack</a:t>
             </a:r>
             <a:endParaRPr lang="en-US" dirty="0"/>
+          </a:p>
+        </p:txBody>
+      </p:sp>
+      <p:pic>
+        <p:nvPicPr>
+          <p:cNvPr id="3" name="Picture 2"/>
+          <p:cNvPicPr>
+            <a:picLocks noChangeAspect="1"/>
+          </p:cNvPicPr>
+          <p:nvPr/>
+        </p:nvPicPr>
+        <p:blipFill>
+          <a:blip r:embed="rId11" cstate="print">
+            <a:extLst>
+              <a:ext uri="{28A0092B-C50C-407E-A947-70E740481C1C}">
+                <a14:useLocalDpi xmlns:a14="http://schemas.microsoft.com/office/drawing/2010/main" val="0"/>
+              </a:ext>
+            </a:extLst>
+          </a:blip>
+          <a:stretch>
+            <a:fillRect/>
+          </a:stretch>
+        </p:blipFill>
+        <p:spPr>
+          <a:xfrm>
+            <a:off x="7608260" y="5134356"/>
+            <a:ext cx="508366" cy="734987"/>
+          </a:xfrm>
+          <a:prstGeom prst="rect">
+            <a:avLst/>
+          </a:prstGeom>
+        </p:spPr>
+      </p:pic>
+      <p:sp>
+        <p:nvSpPr>
+          <p:cNvPr id="23" name="TextBox 22"/>
+          <p:cNvSpPr txBox="1"/>
+          <p:nvPr/>
+        </p:nvSpPr>
+        <p:spPr>
+          <a:xfrm>
+            <a:off x="8216343" y="5382167"/>
+            <a:ext cx="407676" cy="246221"/>
+          </a:xfrm>
+          <a:prstGeom prst="rect">
+            <a:avLst/>
+          </a:prstGeom>
+          <a:noFill/>
+        </p:spPr>
+        <p:txBody>
+          <a:bodyPr wrap="none" lIns="0" tIns="0" rIns="0" bIns="0" rtlCol="0">
+            <a:spAutoFit/>
+          </a:bodyPr>
+          <a:lstStyle/>
+          <a:p>
+            <a:pPr>
+              <a:spcBef>
+                <a:spcPts val="400"/>
+              </a:spcBef>
+              <a:spcAft>
+                <a:spcPts val="600"/>
+              </a:spcAft>
+              <a:buClr>
+                <a:schemeClr val="accent1"/>
+              </a:buClr>
+            </a:pPr>
+            <a:r>
+              <a:rPr lang="en-US" sz="1600" dirty="0" smtClean="0">
+                <a:solidFill>
+                  <a:srgbClr val="131313"/>
+                </a:solidFill>
+                <a:latin typeface="Calibri" panose="020F0502020204030204" pitchFamily="34" charset="0"/>
+                <a:cs typeface="Calibri" panose="020F0502020204030204" pitchFamily="34" charset="0"/>
+              </a:rPr>
+              <a:t>Geth</a:t>
+            </a:r>
+            <a:endParaRPr lang="en-US" sz="1600" dirty="0" smtClean="0">
+              <a:solidFill>
+                <a:srgbClr val="131313"/>
+              </a:solidFill>
+              <a:latin typeface="Calibri" panose="020F0502020204030204" pitchFamily="34" charset="0"/>
+              <a:cs typeface="Calibri" panose="020F0502020204030204" pitchFamily="34" charset="0"/>
+            </a:endParaRPr>
           </a:p>
         </p:txBody>
       </p:sp>
@@ -10719,11 +10774,6 @@
               </a:rPr>
               <a:t>DEMO</a:t>
             </a:r>
-            <a:endParaRPr lang="en-US" sz="4800" dirty="0" smtClean="0">
-              <a:solidFill>
-                <a:schemeClr val="bg1"/>
-              </a:solidFill>
-            </a:endParaRPr>
           </a:p>
         </p:txBody>
       </p:sp>

--- a/Docs/DirectoryWatcher.pptx
+++ b/Docs/DirectoryWatcher.pptx
@@ -5,7 +5,7 @@
     <p:sldMasterId id="2147483672" r:id="rId1"/>
   </p:sldMasterIdLst>
   <p:notesMasterIdLst>
-    <p:notesMasterId r:id="rId8"/>
+    <p:notesMasterId r:id="rId9"/>
   </p:notesMasterIdLst>
   <p:sldIdLst>
     <p:sldId id="257" r:id="rId2"/>
@@ -13,7 +13,8 @@
     <p:sldId id="259" r:id="rId4"/>
     <p:sldId id="258" r:id="rId5"/>
     <p:sldId id="262" r:id="rId6"/>
-    <p:sldId id="263" r:id="rId7"/>
+    <p:sldId id="264" r:id="rId7"/>
+    <p:sldId id="263" r:id="rId8"/>
   </p:sldIdLst>
   <p:sldSz cx="9144000" cy="6858000" type="screen4x3"/>
   <p:notesSz cx="6858000" cy="9144000"/>
@@ -120,6 +121,2680 @@
 </p:presentation>
 </file>
 
+<file path=ppt/diagrams/colors1.xml><?xml version="1.0" encoding="utf-8"?>
+<dgm:colorsDef xmlns:dgm="http://schemas.openxmlformats.org/drawingml/2006/diagram" xmlns:a="http://schemas.openxmlformats.org/drawingml/2006/main" uniqueId="urn:microsoft.com/office/officeart/2005/8/colors/colorful2">
+  <dgm:title val=""/>
+  <dgm:desc val=""/>
+  <dgm:catLst>
+    <dgm:cat type="colorful" pri="10200"/>
+  </dgm:catLst>
+  <dgm:styleLbl name="node0">
+    <dgm:fillClrLst meth="repeat">
+      <a:schemeClr val="accent1"/>
+    </dgm:fillClrLst>
+    <dgm:linClrLst meth="repeat">
+      <a:schemeClr val="lt1"/>
+    </dgm:linClrLst>
+    <dgm:effectClrLst/>
+    <dgm:txLinClrLst/>
+    <dgm:txFillClrLst/>
+    <dgm:txEffectClrLst/>
+  </dgm:styleLbl>
+  <dgm:styleLbl name="node1">
+    <dgm:fillClrLst>
+      <a:schemeClr val="accent2"/>
+      <a:schemeClr val="accent3"/>
+    </dgm:fillClrLst>
+    <dgm:linClrLst meth="repeat">
+      <a:schemeClr val="lt1"/>
+    </dgm:linClrLst>
+    <dgm:effectClrLst/>
+    <dgm:txLinClrLst/>
+    <dgm:txFillClrLst/>
+    <dgm:txEffectClrLst/>
+  </dgm:styleLbl>
+  <dgm:styleLbl name="alignNode1">
+    <dgm:fillClrLst>
+      <a:schemeClr val="accent2"/>
+      <a:schemeClr val="accent3"/>
+    </dgm:fillClrLst>
+    <dgm:linClrLst>
+      <a:schemeClr val="accent2"/>
+      <a:schemeClr val="accent3"/>
+    </dgm:linClrLst>
+    <dgm:effectClrLst/>
+    <dgm:txLinClrLst/>
+    <dgm:txFillClrLst/>
+    <dgm:txEffectClrLst/>
+  </dgm:styleLbl>
+  <dgm:styleLbl name="lnNode1">
+    <dgm:fillClrLst>
+      <a:schemeClr val="accent2"/>
+      <a:schemeClr val="accent3"/>
+    </dgm:fillClrLst>
+    <dgm:linClrLst meth="repeat">
+      <a:schemeClr val="lt1"/>
+    </dgm:linClrLst>
+    <dgm:effectClrLst/>
+    <dgm:txLinClrLst/>
+    <dgm:txFillClrLst/>
+    <dgm:txEffectClrLst/>
+  </dgm:styleLbl>
+  <dgm:styleLbl name="vennNode1">
+    <dgm:fillClrLst>
+      <a:schemeClr val="accent2">
+        <a:alpha val="50000"/>
+      </a:schemeClr>
+      <a:schemeClr val="accent3">
+        <a:alpha val="50000"/>
+      </a:schemeClr>
+    </dgm:fillClrLst>
+    <dgm:linClrLst meth="repeat">
+      <a:schemeClr val="lt1"/>
+    </dgm:linClrLst>
+    <dgm:effectClrLst/>
+    <dgm:txLinClrLst/>
+    <dgm:txFillClrLst/>
+    <dgm:txEffectClrLst/>
+  </dgm:styleLbl>
+  <dgm:styleLbl name="node2">
+    <dgm:fillClrLst>
+      <a:schemeClr val="accent3"/>
+    </dgm:fillClrLst>
+    <dgm:linClrLst meth="repeat">
+      <a:schemeClr val="lt1"/>
+    </dgm:linClrLst>
+    <dgm:effectClrLst/>
+    <dgm:txLinClrLst/>
+    <dgm:txFillClrLst/>
+    <dgm:txEffectClrLst/>
+  </dgm:styleLbl>
+  <dgm:styleLbl name="node3">
+    <dgm:fillClrLst>
+      <a:schemeClr val="accent4"/>
+    </dgm:fillClrLst>
+    <dgm:linClrLst meth="repeat">
+      <a:schemeClr val="lt1"/>
+    </dgm:linClrLst>
+    <dgm:effectClrLst/>
+    <dgm:txLinClrLst/>
+    <dgm:txFillClrLst/>
+    <dgm:txEffectClrLst/>
+  </dgm:styleLbl>
+  <dgm:styleLbl name="node4">
+    <dgm:fillClrLst>
+      <a:schemeClr val="accent5"/>
+    </dgm:fillClrLst>
+    <dgm:linClrLst meth="repeat">
+      <a:schemeClr val="lt1"/>
+    </dgm:linClrLst>
+    <dgm:effectClrLst/>
+    <dgm:txLinClrLst/>
+    <dgm:txFillClrLst/>
+    <dgm:txEffectClrLst/>
+  </dgm:styleLbl>
+  <dgm:styleLbl name="fgImgPlace1">
+    <dgm:fillClrLst>
+      <a:schemeClr val="accent2">
+        <a:tint val="50000"/>
+      </a:schemeClr>
+      <a:schemeClr val="accent3">
+        <a:tint val="50000"/>
+      </a:schemeClr>
+    </dgm:fillClrLst>
+    <dgm:linClrLst meth="repeat">
+      <a:schemeClr val="lt1"/>
+    </dgm:linClrLst>
+    <dgm:effectClrLst/>
+    <dgm:txLinClrLst/>
+    <dgm:txFillClrLst meth="repeat">
+      <a:schemeClr val="lt1"/>
+    </dgm:txFillClrLst>
+    <dgm:txEffectClrLst/>
+  </dgm:styleLbl>
+  <dgm:styleLbl name="alignImgPlace1">
+    <dgm:fillClrLst>
+      <a:schemeClr val="accent2">
+        <a:tint val="50000"/>
+      </a:schemeClr>
+      <a:schemeClr val="accent3">
+        <a:tint val="20000"/>
+      </a:schemeClr>
+    </dgm:fillClrLst>
+    <dgm:linClrLst meth="repeat">
+      <a:schemeClr val="lt1"/>
+    </dgm:linClrLst>
+    <dgm:effectClrLst/>
+    <dgm:txLinClrLst/>
+    <dgm:txFillClrLst meth="repeat">
+      <a:schemeClr val="lt1"/>
+    </dgm:txFillClrLst>
+    <dgm:txEffectClrLst/>
+  </dgm:styleLbl>
+  <dgm:styleLbl name="bgImgPlace1">
+    <dgm:fillClrLst>
+      <a:schemeClr val="accent2">
+        <a:tint val="50000"/>
+      </a:schemeClr>
+      <a:schemeClr val="accent3">
+        <a:tint val="20000"/>
+      </a:schemeClr>
+    </dgm:fillClrLst>
+    <dgm:linClrLst meth="repeat">
+      <a:schemeClr val="lt1"/>
+    </dgm:linClrLst>
+    <dgm:effectClrLst/>
+    <dgm:txLinClrLst/>
+    <dgm:txFillClrLst meth="repeat">
+      <a:schemeClr val="lt1"/>
+    </dgm:txFillClrLst>
+    <dgm:txEffectClrLst/>
+  </dgm:styleLbl>
+  <dgm:styleLbl name="sibTrans2D1">
+    <dgm:fillClrLst>
+      <a:schemeClr val="accent2"/>
+      <a:schemeClr val="accent3"/>
+    </dgm:fillClrLst>
+    <dgm:linClrLst meth="repeat">
+      <a:schemeClr val="lt1"/>
+    </dgm:linClrLst>
+    <dgm:effectClrLst/>
+    <dgm:txLinClrLst/>
+    <dgm:txFillClrLst/>
+    <dgm:txEffectClrLst/>
+  </dgm:styleLbl>
+  <dgm:styleLbl name="fgSibTrans2D1">
+    <dgm:fillClrLst>
+      <a:schemeClr val="accent2"/>
+      <a:schemeClr val="accent3"/>
+    </dgm:fillClrLst>
+    <dgm:linClrLst meth="repeat">
+      <a:schemeClr val="lt1"/>
+    </dgm:linClrLst>
+    <dgm:effectClrLst/>
+    <dgm:txLinClrLst/>
+    <dgm:txFillClrLst meth="repeat">
+      <a:schemeClr val="lt1"/>
+    </dgm:txFillClrLst>
+    <dgm:txEffectClrLst/>
+  </dgm:styleLbl>
+  <dgm:styleLbl name="bgSibTrans2D1">
+    <dgm:fillClrLst>
+      <a:schemeClr val="accent2"/>
+      <a:schemeClr val="accent3"/>
+    </dgm:fillClrLst>
+    <dgm:linClrLst meth="repeat">
+      <a:schemeClr val="lt1"/>
+    </dgm:linClrLst>
+    <dgm:effectClrLst/>
+    <dgm:txLinClrLst/>
+    <dgm:txFillClrLst meth="repeat">
+      <a:schemeClr val="lt1"/>
+    </dgm:txFillClrLst>
+    <dgm:txEffectClrLst/>
+  </dgm:styleLbl>
+  <dgm:styleLbl name="sibTrans1D1">
+    <dgm:fillClrLst/>
+    <dgm:linClrLst>
+      <a:schemeClr val="accent2"/>
+      <a:schemeClr val="accent3"/>
+    </dgm:linClrLst>
+    <dgm:effectClrLst/>
+    <dgm:txLinClrLst/>
+    <dgm:txFillClrLst meth="repeat">
+      <a:schemeClr val="tx1"/>
+    </dgm:txFillClrLst>
+    <dgm:txEffectClrLst/>
+  </dgm:styleLbl>
+  <dgm:styleLbl name="callout">
+    <dgm:fillClrLst meth="repeat">
+      <a:schemeClr val="accent2"/>
+    </dgm:fillClrLst>
+    <dgm:linClrLst meth="repeat">
+      <a:schemeClr val="accent2">
+        <a:tint val="50000"/>
+      </a:schemeClr>
+    </dgm:linClrLst>
+    <dgm:effectClrLst/>
+    <dgm:txLinClrLst/>
+    <dgm:txFillClrLst meth="repeat">
+      <a:schemeClr val="tx1"/>
+    </dgm:txFillClrLst>
+    <dgm:txEffectClrLst/>
+  </dgm:styleLbl>
+  <dgm:styleLbl name="asst0">
+    <dgm:fillClrLst meth="repeat">
+      <a:schemeClr val="accent2"/>
+    </dgm:fillClrLst>
+    <dgm:linClrLst meth="repeat">
+      <a:schemeClr val="lt1">
+        <a:shade val="80000"/>
+      </a:schemeClr>
+    </dgm:linClrLst>
+    <dgm:effectClrLst/>
+    <dgm:txLinClrLst/>
+    <dgm:txFillClrLst/>
+    <dgm:txEffectClrLst/>
+  </dgm:styleLbl>
+  <dgm:styleLbl name="asst1">
+    <dgm:fillClrLst meth="repeat">
+      <a:schemeClr val="accent3"/>
+    </dgm:fillClrLst>
+    <dgm:linClrLst meth="repeat">
+      <a:schemeClr val="lt1">
+        <a:shade val="80000"/>
+      </a:schemeClr>
+    </dgm:linClrLst>
+    <dgm:effectClrLst/>
+    <dgm:txLinClrLst/>
+    <dgm:txFillClrLst/>
+    <dgm:txEffectClrLst/>
+  </dgm:styleLbl>
+  <dgm:styleLbl name="asst2">
+    <dgm:fillClrLst>
+      <a:schemeClr val="accent4"/>
+    </dgm:fillClrLst>
+    <dgm:linClrLst meth="repeat">
+      <a:schemeClr val="lt1"/>
+    </dgm:linClrLst>
+    <dgm:effectClrLst/>
+    <dgm:txLinClrLst/>
+    <dgm:txFillClrLst/>
+    <dgm:txEffectClrLst/>
+  </dgm:styleLbl>
+  <dgm:styleLbl name="asst3">
+    <dgm:fillClrLst>
+      <a:schemeClr val="accent5"/>
+    </dgm:fillClrLst>
+    <dgm:linClrLst meth="repeat">
+      <a:schemeClr val="lt1"/>
+    </dgm:linClrLst>
+    <dgm:effectClrLst/>
+    <dgm:txLinClrLst/>
+    <dgm:txFillClrLst/>
+    <dgm:txEffectClrLst/>
+  </dgm:styleLbl>
+  <dgm:styleLbl name="asst4">
+    <dgm:fillClrLst>
+      <a:schemeClr val="accent6"/>
+    </dgm:fillClrLst>
+    <dgm:linClrLst meth="repeat">
+      <a:schemeClr val="lt1"/>
+    </dgm:linClrLst>
+    <dgm:effectClrLst/>
+    <dgm:txLinClrLst/>
+    <dgm:txFillClrLst/>
+    <dgm:txEffectClrLst/>
+  </dgm:styleLbl>
+  <dgm:styleLbl name="parChTrans2D1">
+    <dgm:fillClrLst meth="repeat">
+      <a:schemeClr val="accent2"/>
+    </dgm:fillClrLst>
+    <dgm:linClrLst meth="repeat">
+      <a:schemeClr val="lt1"/>
+    </dgm:linClrLst>
+    <dgm:effectClrLst/>
+    <dgm:txLinClrLst/>
+    <dgm:txFillClrLst meth="repeat">
+      <a:schemeClr val="lt1"/>
+    </dgm:txFillClrLst>
+    <dgm:txEffectClrLst/>
+  </dgm:styleLbl>
+  <dgm:styleLbl name="parChTrans2D2">
+    <dgm:fillClrLst meth="repeat">
+      <a:schemeClr val="accent3"/>
+    </dgm:fillClrLst>
+    <dgm:linClrLst meth="repeat">
+      <a:schemeClr val="lt1"/>
+    </dgm:linClrLst>
+    <dgm:effectClrLst/>
+    <dgm:txLinClrLst/>
+    <dgm:txFillClrLst/>
+    <dgm:txEffectClrLst/>
+  </dgm:styleLbl>
+  <dgm:styleLbl name="parChTrans2D3">
+    <dgm:fillClrLst meth="repeat">
+      <a:schemeClr val="accent4"/>
+    </dgm:fillClrLst>
+    <dgm:linClrLst meth="repeat">
+      <a:schemeClr val="lt1"/>
+    </dgm:linClrLst>
+    <dgm:effectClrLst/>
+    <dgm:txLinClrLst/>
+    <dgm:txFillClrLst/>
+    <dgm:txEffectClrLst/>
+  </dgm:styleLbl>
+  <dgm:styleLbl name="parChTrans2D4">
+    <dgm:fillClrLst meth="repeat">
+      <a:schemeClr val="accent5"/>
+    </dgm:fillClrLst>
+    <dgm:linClrLst meth="repeat">
+      <a:schemeClr val="lt1"/>
+    </dgm:linClrLst>
+    <dgm:effectClrLst/>
+    <dgm:txLinClrLst/>
+    <dgm:txFillClrLst meth="repeat">
+      <a:schemeClr val="lt1"/>
+    </dgm:txFillClrLst>
+    <dgm:txEffectClrLst/>
+  </dgm:styleLbl>
+  <dgm:styleLbl name="parChTrans1D1">
+    <dgm:fillClrLst meth="repeat">
+      <a:schemeClr val="accent2"/>
+    </dgm:fillClrLst>
+    <dgm:linClrLst meth="repeat">
+      <a:schemeClr val="accent2"/>
+    </dgm:linClrLst>
+    <dgm:effectClrLst/>
+    <dgm:txLinClrLst/>
+    <dgm:txFillClrLst meth="repeat">
+      <a:schemeClr val="tx1"/>
+    </dgm:txFillClrLst>
+    <dgm:txEffectClrLst/>
+  </dgm:styleLbl>
+  <dgm:styleLbl name="parChTrans1D2">
+    <dgm:fillClrLst meth="repeat">
+      <a:schemeClr val="accent2">
+        <a:tint val="90000"/>
+      </a:schemeClr>
+    </dgm:fillClrLst>
+    <dgm:linClrLst meth="repeat">
+      <a:schemeClr val="accent3"/>
+    </dgm:linClrLst>
+    <dgm:effectClrLst/>
+    <dgm:txLinClrLst/>
+    <dgm:txFillClrLst meth="repeat">
+      <a:schemeClr val="tx1"/>
+    </dgm:txFillClrLst>
+    <dgm:txEffectClrLst/>
+  </dgm:styleLbl>
+  <dgm:styleLbl name="parChTrans1D3">
+    <dgm:fillClrLst meth="repeat">
+      <a:schemeClr val="accent2">
+        <a:tint val="70000"/>
+      </a:schemeClr>
+    </dgm:fillClrLst>
+    <dgm:linClrLst meth="repeat">
+      <a:schemeClr val="accent4"/>
+    </dgm:linClrLst>
+    <dgm:effectClrLst/>
+    <dgm:txLinClrLst/>
+    <dgm:txFillClrLst meth="repeat">
+      <a:schemeClr val="tx1"/>
+    </dgm:txFillClrLst>
+    <dgm:txEffectClrLst/>
+  </dgm:styleLbl>
+  <dgm:styleLbl name="parChTrans1D4">
+    <dgm:fillClrLst meth="repeat">
+      <a:schemeClr val="accent2">
+        <a:tint val="50000"/>
+      </a:schemeClr>
+    </dgm:fillClrLst>
+    <dgm:linClrLst meth="repeat">
+      <a:schemeClr val="accent5"/>
+    </dgm:linClrLst>
+    <dgm:effectClrLst/>
+    <dgm:txLinClrLst/>
+    <dgm:txFillClrLst meth="repeat">
+      <a:schemeClr val="tx1"/>
+    </dgm:txFillClrLst>
+    <dgm:txEffectClrLst/>
+  </dgm:styleLbl>
+  <dgm:styleLbl name="fgAcc1">
+    <dgm:fillClrLst meth="repeat">
+      <a:schemeClr val="lt1">
+        <a:alpha val="90000"/>
+      </a:schemeClr>
+    </dgm:fillClrLst>
+    <dgm:linClrLst>
+      <a:schemeClr val="accent2"/>
+      <a:schemeClr val="accent3"/>
+    </dgm:linClrLst>
+    <dgm:effectClrLst/>
+    <dgm:txLinClrLst/>
+    <dgm:txFillClrLst meth="repeat">
+      <a:schemeClr val="dk1"/>
+    </dgm:txFillClrLst>
+    <dgm:txEffectClrLst/>
+  </dgm:styleLbl>
+  <dgm:styleLbl name="conFgAcc1">
+    <dgm:fillClrLst meth="repeat">
+      <a:schemeClr val="lt1">
+        <a:alpha val="90000"/>
+      </a:schemeClr>
+    </dgm:fillClrLst>
+    <dgm:linClrLst>
+      <a:schemeClr val="accent2"/>
+      <a:schemeClr val="accent3"/>
+    </dgm:linClrLst>
+    <dgm:effectClrLst/>
+    <dgm:txLinClrLst/>
+    <dgm:txFillClrLst meth="repeat">
+      <a:schemeClr val="dk1"/>
+    </dgm:txFillClrLst>
+    <dgm:txEffectClrLst/>
+  </dgm:styleLbl>
+  <dgm:styleLbl name="alignAcc1">
+    <dgm:fillClrLst meth="repeat">
+      <a:schemeClr val="lt1">
+        <a:alpha val="90000"/>
+      </a:schemeClr>
+    </dgm:fillClrLst>
+    <dgm:linClrLst>
+      <a:schemeClr val="accent2"/>
+      <a:schemeClr val="accent3"/>
+    </dgm:linClrLst>
+    <dgm:effectClrLst/>
+    <dgm:txLinClrLst/>
+    <dgm:txFillClrLst meth="repeat">
+      <a:schemeClr val="dk1"/>
+    </dgm:txFillClrLst>
+    <dgm:txEffectClrLst/>
+  </dgm:styleLbl>
+  <dgm:styleLbl name="trAlignAcc1">
+    <dgm:fillClrLst meth="repeat">
+      <a:schemeClr val="lt1">
+        <a:alpha val="40000"/>
+      </a:schemeClr>
+    </dgm:fillClrLst>
+    <dgm:linClrLst meth="repeat">
+      <a:schemeClr val="accent2"/>
+    </dgm:linClrLst>
+    <dgm:effectClrLst/>
+    <dgm:txLinClrLst/>
+    <dgm:txFillClrLst meth="repeat">
+      <a:schemeClr val="dk1"/>
+    </dgm:txFillClrLst>
+    <dgm:txEffectClrLst/>
+  </dgm:styleLbl>
+  <dgm:styleLbl name="bgAcc1">
+    <dgm:fillClrLst meth="repeat">
+      <a:schemeClr val="lt1">
+        <a:alpha val="90000"/>
+      </a:schemeClr>
+    </dgm:fillClrLst>
+    <dgm:linClrLst>
+      <a:schemeClr val="accent2"/>
+      <a:schemeClr val="accent3"/>
+    </dgm:linClrLst>
+    <dgm:effectClrLst/>
+    <dgm:txLinClrLst/>
+    <dgm:txFillClrLst meth="repeat">
+      <a:schemeClr val="dk1"/>
+    </dgm:txFillClrLst>
+    <dgm:txEffectClrLst/>
+  </dgm:styleLbl>
+  <dgm:styleLbl name="solidFgAcc1">
+    <dgm:fillClrLst meth="repeat">
+      <a:schemeClr val="lt1"/>
+    </dgm:fillClrLst>
+    <dgm:linClrLst>
+      <a:schemeClr val="accent2"/>
+      <a:schemeClr val="accent3"/>
+    </dgm:linClrLst>
+    <dgm:effectClrLst/>
+    <dgm:txLinClrLst/>
+    <dgm:txFillClrLst meth="repeat">
+      <a:schemeClr val="dk1"/>
+    </dgm:txFillClrLst>
+    <dgm:txEffectClrLst/>
+  </dgm:styleLbl>
+  <dgm:styleLbl name="solidAlignAcc1">
+    <dgm:fillClrLst meth="repeat">
+      <a:schemeClr val="lt1"/>
+    </dgm:fillClrLst>
+    <dgm:linClrLst>
+      <a:schemeClr val="accent2"/>
+      <a:schemeClr val="accent3"/>
+    </dgm:linClrLst>
+    <dgm:effectClrLst/>
+    <dgm:txLinClrLst/>
+    <dgm:txFillClrLst meth="repeat">
+      <a:schemeClr val="dk1"/>
+    </dgm:txFillClrLst>
+    <dgm:txEffectClrLst/>
+  </dgm:styleLbl>
+  <dgm:styleLbl name="solidBgAcc1">
+    <dgm:fillClrLst meth="repeat">
+      <a:schemeClr val="lt1"/>
+    </dgm:fillClrLst>
+    <dgm:linClrLst>
+      <a:schemeClr val="accent2"/>
+      <a:schemeClr val="accent3"/>
+    </dgm:linClrLst>
+    <dgm:effectClrLst/>
+    <dgm:txLinClrLst/>
+    <dgm:txFillClrLst meth="repeat">
+      <a:schemeClr val="dk1"/>
+    </dgm:txFillClrLst>
+    <dgm:txEffectClrLst/>
+  </dgm:styleLbl>
+  <dgm:styleLbl name="fgAccFollowNode1">
+    <dgm:fillClrLst>
+      <a:schemeClr val="accent2">
+        <a:tint val="40000"/>
+        <a:alpha val="90000"/>
+      </a:schemeClr>
+      <a:schemeClr val="accent3">
+        <a:tint val="40000"/>
+        <a:alpha val="90000"/>
+      </a:schemeClr>
+    </dgm:fillClrLst>
+    <dgm:linClrLst>
+      <a:schemeClr val="accent2">
+        <a:tint val="40000"/>
+        <a:alpha val="90000"/>
+      </a:schemeClr>
+      <a:schemeClr val="accent3">
+        <a:tint val="40000"/>
+        <a:alpha val="90000"/>
+      </a:schemeClr>
+    </dgm:linClrLst>
+    <dgm:effectClrLst/>
+    <dgm:txLinClrLst/>
+    <dgm:txFillClrLst meth="repeat">
+      <a:schemeClr val="dk1"/>
+    </dgm:txFillClrLst>
+    <dgm:txEffectClrLst/>
+  </dgm:styleLbl>
+  <dgm:styleLbl name="alignAccFollowNode1">
+    <dgm:fillClrLst>
+      <a:schemeClr val="accent2">
+        <a:tint val="40000"/>
+        <a:alpha val="90000"/>
+      </a:schemeClr>
+      <a:schemeClr val="accent3">
+        <a:tint val="40000"/>
+        <a:alpha val="90000"/>
+      </a:schemeClr>
+    </dgm:fillClrLst>
+    <dgm:linClrLst>
+      <a:schemeClr val="accent2">
+        <a:tint val="40000"/>
+        <a:alpha val="90000"/>
+      </a:schemeClr>
+      <a:schemeClr val="accent3">
+        <a:tint val="40000"/>
+        <a:alpha val="90000"/>
+      </a:schemeClr>
+    </dgm:linClrLst>
+    <dgm:effectClrLst/>
+    <dgm:txLinClrLst/>
+    <dgm:txFillClrLst meth="repeat">
+      <a:schemeClr val="dk1"/>
+    </dgm:txFillClrLst>
+    <dgm:txEffectClrLst/>
+  </dgm:styleLbl>
+  <dgm:styleLbl name="bgAccFollowNode1">
+    <dgm:fillClrLst>
+      <a:schemeClr val="accent2">
+        <a:tint val="40000"/>
+        <a:alpha val="90000"/>
+      </a:schemeClr>
+      <a:schemeClr val="accent3">
+        <a:tint val="40000"/>
+        <a:alpha val="90000"/>
+      </a:schemeClr>
+    </dgm:fillClrLst>
+    <dgm:linClrLst>
+      <a:schemeClr val="accent2">
+        <a:tint val="40000"/>
+        <a:alpha val="90000"/>
+      </a:schemeClr>
+      <a:schemeClr val="accent3">
+        <a:tint val="40000"/>
+        <a:alpha val="90000"/>
+      </a:schemeClr>
+    </dgm:linClrLst>
+    <dgm:effectClrLst/>
+    <dgm:txLinClrLst/>
+    <dgm:txFillClrLst meth="repeat">
+      <a:schemeClr val="dk1"/>
+    </dgm:txFillClrLst>
+    <dgm:txEffectClrLst/>
+  </dgm:styleLbl>
+  <dgm:styleLbl name="fgAcc0">
+    <dgm:fillClrLst meth="repeat">
+      <a:schemeClr val="lt1">
+        <a:alpha val="90000"/>
+      </a:schemeClr>
+    </dgm:fillClrLst>
+    <dgm:linClrLst>
+      <a:schemeClr val="accent1"/>
+    </dgm:linClrLst>
+    <dgm:effectClrLst/>
+    <dgm:txLinClrLst/>
+    <dgm:txFillClrLst meth="repeat">
+      <a:schemeClr val="dk1"/>
+    </dgm:txFillClrLst>
+    <dgm:txEffectClrLst/>
+  </dgm:styleLbl>
+  <dgm:styleLbl name="fgAcc2">
+    <dgm:fillClrLst meth="repeat">
+      <a:schemeClr val="lt1">
+        <a:alpha val="90000"/>
+      </a:schemeClr>
+    </dgm:fillClrLst>
+    <dgm:linClrLst>
+      <a:schemeClr val="accent3"/>
+    </dgm:linClrLst>
+    <dgm:effectClrLst/>
+    <dgm:txLinClrLst/>
+    <dgm:txFillClrLst meth="repeat">
+      <a:schemeClr val="dk1"/>
+    </dgm:txFillClrLst>
+    <dgm:txEffectClrLst/>
+  </dgm:styleLbl>
+  <dgm:styleLbl name="fgAcc3">
+    <dgm:fillClrLst meth="repeat">
+      <a:schemeClr val="lt1">
+        <a:alpha val="90000"/>
+      </a:schemeClr>
+    </dgm:fillClrLst>
+    <dgm:linClrLst>
+      <a:schemeClr val="accent4"/>
+    </dgm:linClrLst>
+    <dgm:effectClrLst/>
+    <dgm:txLinClrLst/>
+    <dgm:txFillClrLst meth="repeat">
+      <a:schemeClr val="dk1"/>
+    </dgm:txFillClrLst>
+    <dgm:txEffectClrLst/>
+  </dgm:styleLbl>
+  <dgm:styleLbl name="fgAcc4">
+    <dgm:fillClrLst meth="repeat">
+      <a:schemeClr val="lt1">
+        <a:alpha val="90000"/>
+      </a:schemeClr>
+    </dgm:fillClrLst>
+    <dgm:linClrLst>
+      <a:schemeClr val="accent5"/>
+    </dgm:linClrLst>
+    <dgm:effectClrLst/>
+    <dgm:txLinClrLst/>
+    <dgm:txFillClrLst meth="repeat">
+      <a:schemeClr val="dk1"/>
+    </dgm:txFillClrLst>
+    <dgm:txEffectClrLst/>
+  </dgm:styleLbl>
+  <dgm:styleLbl name="bgShp">
+    <dgm:fillClrLst meth="repeat">
+      <a:schemeClr val="accent2">
+        <a:tint val="40000"/>
+      </a:schemeClr>
+    </dgm:fillClrLst>
+    <dgm:linClrLst meth="repeat">
+      <a:schemeClr val="dk1"/>
+    </dgm:linClrLst>
+    <dgm:effectClrLst/>
+    <dgm:txLinClrLst/>
+    <dgm:txFillClrLst meth="repeat">
+      <a:schemeClr val="dk1"/>
+    </dgm:txFillClrLst>
+    <dgm:txEffectClrLst/>
+  </dgm:styleLbl>
+  <dgm:styleLbl name="dkBgShp">
+    <dgm:fillClrLst meth="repeat">
+      <a:schemeClr val="accent2">
+        <a:shade val="90000"/>
+      </a:schemeClr>
+    </dgm:fillClrLst>
+    <dgm:linClrLst meth="repeat">
+      <a:schemeClr val="dk1"/>
+    </dgm:linClrLst>
+    <dgm:effectClrLst/>
+    <dgm:txLinClrLst/>
+    <dgm:txFillClrLst meth="repeat">
+      <a:schemeClr val="lt1"/>
+    </dgm:txFillClrLst>
+    <dgm:txEffectClrLst/>
+  </dgm:styleLbl>
+  <dgm:styleLbl name="trBgShp">
+    <dgm:fillClrLst meth="repeat">
+      <a:schemeClr val="accent2">
+        <a:tint val="50000"/>
+        <a:alpha val="40000"/>
+      </a:schemeClr>
+    </dgm:fillClrLst>
+    <dgm:linClrLst meth="repeat">
+      <a:schemeClr val="accent2"/>
+    </dgm:linClrLst>
+    <dgm:effectClrLst/>
+    <dgm:txLinClrLst/>
+    <dgm:txFillClrLst meth="repeat">
+      <a:schemeClr val="lt1"/>
+    </dgm:txFillClrLst>
+    <dgm:txEffectClrLst/>
+  </dgm:styleLbl>
+  <dgm:styleLbl name="fgShp">
+    <dgm:fillClrLst meth="repeat">
+      <a:schemeClr val="accent2">
+        <a:tint val="40000"/>
+      </a:schemeClr>
+    </dgm:fillClrLst>
+    <dgm:linClrLst meth="repeat">
+      <a:schemeClr val="lt1"/>
+    </dgm:linClrLst>
+    <dgm:effectClrLst/>
+    <dgm:txLinClrLst/>
+    <dgm:txFillClrLst meth="repeat">
+      <a:schemeClr val="dk1"/>
+    </dgm:txFillClrLst>
+    <dgm:txEffectClrLst/>
+  </dgm:styleLbl>
+  <dgm:styleLbl name="revTx">
+    <dgm:fillClrLst meth="repeat">
+      <a:schemeClr val="lt1">
+        <a:alpha val="0"/>
+      </a:schemeClr>
+    </dgm:fillClrLst>
+    <dgm:linClrLst meth="repeat">
+      <a:schemeClr val="dk1">
+        <a:alpha val="0"/>
+      </a:schemeClr>
+    </dgm:linClrLst>
+    <dgm:effectClrLst/>
+    <dgm:txLinClrLst/>
+    <dgm:txFillClrLst meth="repeat">
+      <a:schemeClr val="tx1"/>
+    </dgm:txFillClrLst>
+    <dgm:txEffectClrLst/>
+  </dgm:styleLbl>
+</dgm:colorsDef>
+</file>
+
+<file path=ppt/diagrams/data1.xml><?xml version="1.0" encoding="utf-8"?>
+<dgm:dataModel xmlns:dgm="http://schemas.openxmlformats.org/drawingml/2006/diagram" xmlns:a="http://schemas.openxmlformats.org/drawingml/2006/main">
+  <dgm:ptLst>
+    <dgm:pt modelId="{9EF8A886-2604-4A1D-AED5-4DAF926988BC}" type="doc">
+      <dgm:prSet loTypeId="urn:microsoft.com/office/officeart/2005/8/layout/pyramid2" loCatId="pyramid" qsTypeId="urn:microsoft.com/office/officeart/2005/8/quickstyle/3d5" qsCatId="3D" csTypeId="urn:microsoft.com/office/officeart/2005/8/colors/colorful2" csCatId="colorful" phldr="1"/>
+      <dgm:spPr/>
+      <dgm:t>
+        <a:bodyPr/>
+        <a:lstStyle/>
+        <a:p>
+          <a:endParaRPr lang="en-US"/>
+        </a:p>
+      </dgm:t>
+    </dgm:pt>
+    <dgm:pt modelId="{678D6EFB-0B28-4D2E-B7D4-00FC1836A702}">
+      <dgm:prSet phldrT="[Text]" custT="1"/>
+      <dgm:spPr/>
+      <dgm:t>
+        <a:bodyPr/>
+        <a:lstStyle/>
+        <a:p>
+          <a:r>
+            <a:rPr lang="en-US" sz="1400" dirty="0" smtClean="0"/>
+            <a:t>Decentralized ledger</a:t>
+          </a:r>
+          <a:endParaRPr lang="en-US" sz="1400" dirty="0"/>
+        </a:p>
+      </dgm:t>
+    </dgm:pt>
+    <dgm:pt modelId="{0C2A87AC-05CB-43DF-9472-3C98101BF60E}" type="parTrans" cxnId="{C6613219-170B-495C-80B1-3BD9A088B9DC}">
+      <dgm:prSet/>
+      <dgm:spPr/>
+      <dgm:t>
+        <a:bodyPr/>
+        <a:lstStyle/>
+        <a:p>
+          <a:endParaRPr lang="en-US" sz="2400"/>
+        </a:p>
+      </dgm:t>
+    </dgm:pt>
+    <dgm:pt modelId="{DB6BEEC9-6613-4BDE-B7EE-9A8C04D9F61E}" type="sibTrans" cxnId="{C6613219-170B-495C-80B1-3BD9A088B9DC}">
+      <dgm:prSet/>
+      <dgm:spPr/>
+      <dgm:t>
+        <a:bodyPr/>
+        <a:lstStyle/>
+        <a:p>
+          <a:endParaRPr lang="en-US" sz="2400"/>
+        </a:p>
+      </dgm:t>
+    </dgm:pt>
+    <dgm:pt modelId="{5337C493-9D57-46D9-8D3F-F959F1C3D46D}">
+      <dgm:prSet phldrT="[Text]" custT="1"/>
+      <dgm:spPr/>
+      <dgm:t>
+        <a:bodyPr/>
+        <a:lstStyle/>
+        <a:p>
+          <a:r>
+            <a:rPr lang="en-US" sz="1400" dirty="0" smtClean="0"/>
+            <a:t>Peer to Peer network</a:t>
+          </a:r>
+          <a:endParaRPr lang="en-US" sz="1400" dirty="0"/>
+        </a:p>
+      </dgm:t>
+    </dgm:pt>
+    <dgm:pt modelId="{15784CAC-3786-43B0-9532-CD9E03AB215D}" type="parTrans" cxnId="{3C172A59-7D01-40C9-9854-370B33B74ECD}">
+      <dgm:prSet/>
+      <dgm:spPr/>
+      <dgm:t>
+        <a:bodyPr/>
+        <a:lstStyle/>
+        <a:p>
+          <a:endParaRPr lang="en-US" sz="2400"/>
+        </a:p>
+      </dgm:t>
+    </dgm:pt>
+    <dgm:pt modelId="{A75D8249-843D-4FE3-BA0A-700DB4C6D658}" type="sibTrans" cxnId="{3C172A59-7D01-40C9-9854-370B33B74ECD}">
+      <dgm:prSet/>
+      <dgm:spPr/>
+      <dgm:t>
+        <a:bodyPr/>
+        <a:lstStyle/>
+        <a:p>
+          <a:endParaRPr lang="en-US" sz="2400"/>
+        </a:p>
+      </dgm:t>
+    </dgm:pt>
+    <dgm:pt modelId="{F8C4F88A-8CC9-434C-A00C-6F3BA51B1F8B}">
+      <dgm:prSet phldrT="[Text]" custT="1"/>
+      <dgm:spPr/>
+      <dgm:t>
+        <a:bodyPr/>
+        <a:lstStyle/>
+        <a:p>
+          <a:r>
+            <a:rPr lang="en-US" sz="1400" dirty="0" smtClean="0"/>
+            <a:t>Cryptographic hashing</a:t>
+          </a:r>
+          <a:endParaRPr lang="en-US" sz="1400" dirty="0"/>
+        </a:p>
+      </dgm:t>
+    </dgm:pt>
+    <dgm:pt modelId="{25308F8B-152B-4413-800F-0DF1C4CA7C8A}" type="parTrans" cxnId="{4CC8119D-6E99-46FD-8F2E-369EF2271747}">
+      <dgm:prSet/>
+      <dgm:spPr/>
+      <dgm:t>
+        <a:bodyPr/>
+        <a:lstStyle/>
+        <a:p>
+          <a:endParaRPr lang="en-US" sz="2400"/>
+        </a:p>
+      </dgm:t>
+    </dgm:pt>
+    <dgm:pt modelId="{0E42E8AE-D2DB-40E2-990F-2EE7A9729589}" type="sibTrans" cxnId="{4CC8119D-6E99-46FD-8F2E-369EF2271747}">
+      <dgm:prSet/>
+      <dgm:spPr/>
+      <dgm:t>
+        <a:bodyPr/>
+        <a:lstStyle/>
+        <a:p>
+          <a:endParaRPr lang="en-US" sz="2400"/>
+        </a:p>
+      </dgm:t>
+    </dgm:pt>
+    <dgm:pt modelId="{1259A76D-7FD0-4C52-AC7A-CE82B402D841}">
+      <dgm:prSet phldrT="[Text]" custT="1"/>
+      <dgm:spPr/>
+      <dgm:t>
+        <a:bodyPr/>
+        <a:lstStyle/>
+        <a:p>
+          <a:r>
+            <a:rPr lang="en-US" sz="1400" dirty="0" smtClean="0"/>
+            <a:t>Mining</a:t>
+          </a:r>
+          <a:endParaRPr lang="en-US" sz="1400" dirty="0"/>
+        </a:p>
+      </dgm:t>
+    </dgm:pt>
+    <dgm:pt modelId="{A6B72CFE-175E-4812-B3F5-CB5BD87BE159}" type="parTrans" cxnId="{26284085-4567-4CA2-A2C1-DD27D73E55ED}">
+      <dgm:prSet/>
+      <dgm:spPr/>
+      <dgm:t>
+        <a:bodyPr/>
+        <a:lstStyle/>
+        <a:p>
+          <a:endParaRPr lang="en-US" sz="2400"/>
+        </a:p>
+      </dgm:t>
+    </dgm:pt>
+    <dgm:pt modelId="{F0A88128-E9BD-4ED2-B792-102C8236A04B}" type="sibTrans" cxnId="{26284085-4567-4CA2-A2C1-DD27D73E55ED}">
+      <dgm:prSet/>
+      <dgm:spPr/>
+      <dgm:t>
+        <a:bodyPr/>
+        <a:lstStyle/>
+        <a:p>
+          <a:endParaRPr lang="en-US" sz="2400"/>
+        </a:p>
+      </dgm:t>
+    </dgm:pt>
+    <dgm:pt modelId="{83F9B738-1E2C-47CD-897A-F06C2E3FEC50}" type="pres">
+      <dgm:prSet presAssocID="{9EF8A886-2604-4A1D-AED5-4DAF926988BC}" presName="compositeShape" presStyleCnt="0">
+        <dgm:presLayoutVars>
+          <dgm:dir/>
+          <dgm:resizeHandles/>
+        </dgm:presLayoutVars>
+      </dgm:prSet>
+      <dgm:spPr/>
+    </dgm:pt>
+    <dgm:pt modelId="{3F966F49-56AA-4D0F-A5A0-BCB2B9C34D73}" type="pres">
+      <dgm:prSet presAssocID="{9EF8A886-2604-4A1D-AED5-4DAF926988BC}" presName="pyramid" presStyleLbl="node1" presStyleIdx="0" presStyleCnt="1"/>
+      <dgm:spPr/>
+    </dgm:pt>
+    <dgm:pt modelId="{467962DC-AC31-4598-95B2-F70547D1E9B3}" type="pres">
+      <dgm:prSet presAssocID="{9EF8A886-2604-4A1D-AED5-4DAF926988BC}" presName="theList" presStyleCnt="0"/>
+      <dgm:spPr/>
+    </dgm:pt>
+    <dgm:pt modelId="{4C79596E-C1F6-4D9E-A9A3-28CAF53DAF88}" type="pres">
+      <dgm:prSet presAssocID="{678D6EFB-0B28-4D2E-B7D4-00FC1836A702}" presName="aNode" presStyleLbl="fgAcc1" presStyleIdx="0" presStyleCnt="4">
+        <dgm:presLayoutVars>
+          <dgm:bulletEnabled val="1"/>
+        </dgm:presLayoutVars>
+      </dgm:prSet>
+      <dgm:spPr/>
+    </dgm:pt>
+    <dgm:pt modelId="{3309B709-1EEC-4D48-AD16-071F5467D5A5}" type="pres">
+      <dgm:prSet presAssocID="{678D6EFB-0B28-4D2E-B7D4-00FC1836A702}" presName="aSpace" presStyleCnt="0"/>
+      <dgm:spPr/>
+    </dgm:pt>
+    <dgm:pt modelId="{72B9027A-9855-4C8C-90C0-E193897BBB61}" type="pres">
+      <dgm:prSet presAssocID="{5337C493-9D57-46D9-8D3F-F959F1C3D46D}" presName="aNode" presStyleLbl="fgAcc1" presStyleIdx="1" presStyleCnt="4">
+        <dgm:presLayoutVars>
+          <dgm:bulletEnabled val="1"/>
+        </dgm:presLayoutVars>
+      </dgm:prSet>
+      <dgm:spPr/>
+    </dgm:pt>
+    <dgm:pt modelId="{71D889AC-EA4D-4666-BABD-63DEA6696B56}" type="pres">
+      <dgm:prSet presAssocID="{5337C493-9D57-46D9-8D3F-F959F1C3D46D}" presName="aSpace" presStyleCnt="0"/>
+      <dgm:spPr/>
+    </dgm:pt>
+    <dgm:pt modelId="{44B45BB8-CB3F-4345-8049-5CD73D44B800}" type="pres">
+      <dgm:prSet presAssocID="{F8C4F88A-8CC9-434C-A00C-6F3BA51B1F8B}" presName="aNode" presStyleLbl="fgAcc1" presStyleIdx="2" presStyleCnt="4">
+        <dgm:presLayoutVars>
+          <dgm:bulletEnabled val="1"/>
+        </dgm:presLayoutVars>
+      </dgm:prSet>
+      <dgm:spPr/>
+    </dgm:pt>
+    <dgm:pt modelId="{CE1723DD-5448-49E4-8213-0B7AF2556E46}" type="pres">
+      <dgm:prSet presAssocID="{F8C4F88A-8CC9-434C-A00C-6F3BA51B1F8B}" presName="aSpace" presStyleCnt="0"/>
+      <dgm:spPr/>
+    </dgm:pt>
+    <dgm:pt modelId="{3C3B6143-760B-405E-9529-BFCD23DBD558}" type="pres">
+      <dgm:prSet presAssocID="{1259A76D-7FD0-4C52-AC7A-CE82B402D841}" presName="aNode" presStyleLbl="fgAcc1" presStyleIdx="3" presStyleCnt="4">
+        <dgm:presLayoutVars>
+          <dgm:bulletEnabled val="1"/>
+        </dgm:presLayoutVars>
+      </dgm:prSet>
+      <dgm:spPr/>
+    </dgm:pt>
+    <dgm:pt modelId="{A4AFFAD5-D556-412F-8D41-F73A0433B72D}" type="pres">
+      <dgm:prSet presAssocID="{1259A76D-7FD0-4C52-AC7A-CE82B402D841}" presName="aSpace" presStyleCnt="0"/>
+      <dgm:spPr/>
+    </dgm:pt>
+  </dgm:ptLst>
+  <dgm:cxnLst>
+    <dgm:cxn modelId="{3C172A59-7D01-40C9-9854-370B33B74ECD}" srcId="{9EF8A886-2604-4A1D-AED5-4DAF926988BC}" destId="{5337C493-9D57-46D9-8D3F-F959F1C3D46D}" srcOrd="1" destOrd="0" parTransId="{15784CAC-3786-43B0-9532-CD9E03AB215D}" sibTransId="{A75D8249-843D-4FE3-BA0A-700DB4C6D658}"/>
+    <dgm:cxn modelId="{26284085-4567-4CA2-A2C1-DD27D73E55ED}" srcId="{9EF8A886-2604-4A1D-AED5-4DAF926988BC}" destId="{1259A76D-7FD0-4C52-AC7A-CE82B402D841}" srcOrd="3" destOrd="0" parTransId="{A6B72CFE-175E-4812-B3F5-CB5BD87BE159}" sibTransId="{F0A88128-E9BD-4ED2-B792-102C8236A04B}"/>
+    <dgm:cxn modelId="{A38C14DD-E1CD-48F1-8332-F5C487AE266E}" type="presOf" srcId="{9EF8A886-2604-4A1D-AED5-4DAF926988BC}" destId="{83F9B738-1E2C-47CD-897A-F06C2E3FEC50}" srcOrd="0" destOrd="0" presId="urn:microsoft.com/office/officeart/2005/8/layout/pyramid2"/>
+    <dgm:cxn modelId="{4CC8119D-6E99-46FD-8F2E-369EF2271747}" srcId="{9EF8A886-2604-4A1D-AED5-4DAF926988BC}" destId="{F8C4F88A-8CC9-434C-A00C-6F3BA51B1F8B}" srcOrd="2" destOrd="0" parTransId="{25308F8B-152B-4413-800F-0DF1C4CA7C8A}" sibTransId="{0E42E8AE-D2DB-40E2-990F-2EE7A9729589}"/>
+    <dgm:cxn modelId="{2843614F-62A9-44CA-8C71-A2530D1C7319}" type="presOf" srcId="{F8C4F88A-8CC9-434C-A00C-6F3BA51B1F8B}" destId="{44B45BB8-CB3F-4345-8049-5CD73D44B800}" srcOrd="0" destOrd="0" presId="urn:microsoft.com/office/officeart/2005/8/layout/pyramid2"/>
+    <dgm:cxn modelId="{A4146A25-0666-401D-85AC-A54D2D7A4BAF}" type="presOf" srcId="{678D6EFB-0B28-4D2E-B7D4-00FC1836A702}" destId="{4C79596E-C1F6-4D9E-A9A3-28CAF53DAF88}" srcOrd="0" destOrd="0" presId="urn:microsoft.com/office/officeart/2005/8/layout/pyramid2"/>
+    <dgm:cxn modelId="{8181A73A-48DA-4ED3-8DB2-7077B7A2E479}" type="presOf" srcId="{5337C493-9D57-46D9-8D3F-F959F1C3D46D}" destId="{72B9027A-9855-4C8C-90C0-E193897BBB61}" srcOrd="0" destOrd="0" presId="urn:microsoft.com/office/officeart/2005/8/layout/pyramid2"/>
+    <dgm:cxn modelId="{C6613219-170B-495C-80B1-3BD9A088B9DC}" srcId="{9EF8A886-2604-4A1D-AED5-4DAF926988BC}" destId="{678D6EFB-0B28-4D2E-B7D4-00FC1836A702}" srcOrd="0" destOrd="0" parTransId="{0C2A87AC-05CB-43DF-9472-3C98101BF60E}" sibTransId="{DB6BEEC9-6613-4BDE-B7EE-9A8C04D9F61E}"/>
+    <dgm:cxn modelId="{6D8AC719-902C-48C9-A52B-1E6130BFB219}" type="presOf" srcId="{1259A76D-7FD0-4C52-AC7A-CE82B402D841}" destId="{3C3B6143-760B-405E-9529-BFCD23DBD558}" srcOrd="0" destOrd="0" presId="urn:microsoft.com/office/officeart/2005/8/layout/pyramid2"/>
+    <dgm:cxn modelId="{845AC44C-EB19-4A23-83BF-56B3AF9D4982}" type="presParOf" srcId="{83F9B738-1E2C-47CD-897A-F06C2E3FEC50}" destId="{3F966F49-56AA-4D0F-A5A0-BCB2B9C34D73}" srcOrd="0" destOrd="0" presId="urn:microsoft.com/office/officeart/2005/8/layout/pyramid2"/>
+    <dgm:cxn modelId="{7AA2C029-1C62-41A6-9699-CC6E7E52DAE6}" type="presParOf" srcId="{83F9B738-1E2C-47CD-897A-F06C2E3FEC50}" destId="{467962DC-AC31-4598-95B2-F70547D1E9B3}" srcOrd="1" destOrd="0" presId="urn:microsoft.com/office/officeart/2005/8/layout/pyramid2"/>
+    <dgm:cxn modelId="{F4DFAC82-6F6E-4ED7-B69D-1FE5DB7340E0}" type="presParOf" srcId="{467962DC-AC31-4598-95B2-F70547D1E9B3}" destId="{4C79596E-C1F6-4D9E-A9A3-28CAF53DAF88}" srcOrd="0" destOrd="0" presId="urn:microsoft.com/office/officeart/2005/8/layout/pyramid2"/>
+    <dgm:cxn modelId="{11449C81-D32B-4BD7-B447-75AE7C462209}" type="presParOf" srcId="{467962DC-AC31-4598-95B2-F70547D1E9B3}" destId="{3309B709-1EEC-4D48-AD16-071F5467D5A5}" srcOrd="1" destOrd="0" presId="urn:microsoft.com/office/officeart/2005/8/layout/pyramid2"/>
+    <dgm:cxn modelId="{251D313F-E7F2-4C33-B370-4D049862631D}" type="presParOf" srcId="{467962DC-AC31-4598-95B2-F70547D1E9B3}" destId="{72B9027A-9855-4C8C-90C0-E193897BBB61}" srcOrd="2" destOrd="0" presId="urn:microsoft.com/office/officeart/2005/8/layout/pyramid2"/>
+    <dgm:cxn modelId="{3A9C880D-046A-4DC6-8E2C-C21E851A4B1A}" type="presParOf" srcId="{467962DC-AC31-4598-95B2-F70547D1E9B3}" destId="{71D889AC-EA4D-4666-BABD-63DEA6696B56}" srcOrd="3" destOrd="0" presId="urn:microsoft.com/office/officeart/2005/8/layout/pyramid2"/>
+    <dgm:cxn modelId="{85C9ADDB-C281-4F4C-B35D-D16914F803EC}" type="presParOf" srcId="{467962DC-AC31-4598-95B2-F70547D1E9B3}" destId="{44B45BB8-CB3F-4345-8049-5CD73D44B800}" srcOrd="4" destOrd="0" presId="urn:microsoft.com/office/officeart/2005/8/layout/pyramid2"/>
+    <dgm:cxn modelId="{70C5E5BB-CA1F-485A-90CA-0A7935983920}" type="presParOf" srcId="{467962DC-AC31-4598-95B2-F70547D1E9B3}" destId="{CE1723DD-5448-49E4-8213-0B7AF2556E46}" srcOrd="5" destOrd="0" presId="urn:microsoft.com/office/officeart/2005/8/layout/pyramid2"/>
+    <dgm:cxn modelId="{CB186131-0902-4E51-8498-3CED4646D850}" type="presParOf" srcId="{467962DC-AC31-4598-95B2-F70547D1E9B3}" destId="{3C3B6143-760B-405E-9529-BFCD23DBD558}" srcOrd="6" destOrd="0" presId="urn:microsoft.com/office/officeart/2005/8/layout/pyramid2"/>
+    <dgm:cxn modelId="{555740B4-37D0-44F6-A5E6-41F9B6C1BEFC}" type="presParOf" srcId="{467962DC-AC31-4598-95B2-F70547D1E9B3}" destId="{A4AFFAD5-D556-412F-8D41-F73A0433B72D}" srcOrd="7" destOrd="0" presId="urn:microsoft.com/office/officeart/2005/8/layout/pyramid2"/>
+  </dgm:cxnLst>
+  <dgm:bg/>
+  <dgm:whole/>
+  <dgm:extLst>
+    <a:ext uri="http://schemas.microsoft.com/office/drawing/2008/diagram">
+      <dsp:dataModelExt xmlns:dsp="http://schemas.microsoft.com/office/drawing/2008/diagram" relId="rId7" minVer="http://schemas.openxmlformats.org/drawingml/2006/diagram"/>
+    </a:ext>
+  </dgm:extLst>
+</dgm:dataModel>
+</file>
+
+<file path=ppt/diagrams/drawing1.xml><?xml version="1.0" encoding="utf-8"?>
+<dsp:drawing xmlns:dgm="http://schemas.openxmlformats.org/drawingml/2006/diagram" xmlns:dsp="http://schemas.microsoft.com/office/drawing/2008/diagram" xmlns:a="http://schemas.openxmlformats.org/drawingml/2006/main">
+  <dsp:spTree>
+    <dsp:nvGrpSpPr>
+      <dsp:cNvPr id="0" name=""/>
+      <dsp:cNvGrpSpPr/>
+    </dsp:nvGrpSpPr>
+    <dsp:grpSpPr/>
+    <dsp:sp modelId="{3F966F49-56AA-4D0F-A5A0-BCB2B9C34D73}">
+      <dsp:nvSpPr>
+        <dsp:cNvPr id="0" name=""/>
+        <dsp:cNvSpPr/>
+      </dsp:nvSpPr>
+      <dsp:spPr>
+        <a:xfrm>
+          <a:off x="711199" y="0"/>
+          <a:ext cx="4064000" cy="4064000"/>
+        </a:xfrm>
+        <a:prstGeom prst="triangle">
+          <a:avLst/>
+        </a:prstGeom>
+        <a:solidFill>
+          <a:schemeClr val="accent2">
+            <a:hueOff val="0"/>
+            <a:satOff val="0"/>
+            <a:lumOff val="0"/>
+            <a:alphaOff val="0"/>
+          </a:schemeClr>
+        </a:solidFill>
+        <a:ln>
+          <a:noFill/>
+        </a:ln>
+        <a:effectLst/>
+        <a:sp3d extrusionH="381000" contourW="38100" prstMaterial="matte">
+          <a:contourClr>
+            <a:schemeClr val="lt1"/>
+          </a:contourClr>
+        </a:sp3d>
+      </dsp:spPr>
+      <dsp:style>
+        <a:lnRef idx="0">
+          <a:scrgbClr r="0" g="0" b="0"/>
+        </a:lnRef>
+        <a:fillRef idx="1">
+          <a:scrgbClr r="0" g="0" b="0"/>
+        </a:fillRef>
+        <a:effectRef idx="0">
+          <a:scrgbClr r="0" g="0" b="0"/>
+        </a:effectRef>
+        <a:fontRef idx="minor">
+          <a:schemeClr val="lt1"/>
+        </a:fontRef>
+      </dsp:style>
+    </dsp:sp>
+    <dsp:sp modelId="{4C79596E-C1F6-4D9E-A9A3-28CAF53DAF88}">
+      <dsp:nvSpPr>
+        <dsp:cNvPr id="0" name=""/>
+        <dsp:cNvSpPr/>
+      </dsp:nvSpPr>
+      <dsp:spPr>
+        <a:xfrm>
+          <a:off x="2743199" y="406796"/>
+          <a:ext cx="2641600" cy="722312"/>
+        </a:xfrm>
+        <a:prstGeom prst="roundRect">
+          <a:avLst/>
+        </a:prstGeom>
+        <a:solidFill>
+          <a:schemeClr val="lt1">
+            <a:alpha val="90000"/>
+            <a:hueOff val="0"/>
+            <a:satOff val="0"/>
+            <a:lumOff val="0"/>
+            <a:alphaOff val="0"/>
+          </a:schemeClr>
+        </a:solidFill>
+        <a:ln w="6350" cap="flat" cmpd="sng" algn="ctr">
+          <a:solidFill>
+            <a:schemeClr val="accent2">
+              <a:hueOff val="0"/>
+              <a:satOff val="0"/>
+              <a:lumOff val="0"/>
+              <a:alphaOff val="0"/>
+            </a:schemeClr>
+          </a:solidFill>
+          <a:prstDash val="solid"/>
+        </a:ln>
+        <a:effectLst/>
+        <a:sp3d z="57150" extrusionH="63500" prstMaterial="matte"/>
+      </dsp:spPr>
+      <dsp:style>
+        <a:lnRef idx="1">
+          <a:scrgbClr r="0" g="0" b="0"/>
+        </a:lnRef>
+        <a:fillRef idx="1">
+          <a:scrgbClr r="0" g="0" b="0"/>
+        </a:fillRef>
+        <a:effectRef idx="0">
+          <a:scrgbClr r="0" g="0" b="0"/>
+        </a:effectRef>
+        <a:fontRef idx="minor"/>
+      </dsp:style>
+      <dsp:txBody>
+        <a:bodyPr spcFirstLastPara="0" vert="horz" wrap="square" lIns="53340" tIns="53340" rIns="53340" bIns="53340" numCol="1" spcCol="1270" anchor="ctr" anchorCtr="0">
+          <a:noAutofit/>
+        </a:bodyPr>
+        <a:lstStyle/>
+        <a:p>
+          <a:pPr lvl="0" algn="ctr" defTabSz="622300">
+            <a:lnSpc>
+              <a:spcPct val="90000"/>
+            </a:lnSpc>
+            <a:spcBef>
+              <a:spcPct val="0"/>
+            </a:spcBef>
+            <a:spcAft>
+              <a:spcPct val="35000"/>
+            </a:spcAft>
+          </a:pPr>
+          <a:r>
+            <a:rPr lang="en-US" sz="1400" kern="1200" dirty="0" smtClean="0"/>
+            <a:t>Decentralized ledger</a:t>
+          </a:r>
+          <a:endParaRPr lang="en-US" sz="1400" kern="1200" dirty="0"/>
+        </a:p>
+      </dsp:txBody>
+      <dsp:txXfrm>
+        <a:off x="2778459" y="442056"/>
+        <a:ext cx="2571080" cy="651792"/>
+      </dsp:txXfrm>
+    </dsp:sp>
+    <dsp:sp modelId="{72B9027A-9855-4C8C-90C0-E193897BBB61}">
+      <dsp:nvSpPr>
+        <dsp:cNvPr id="0" name=""/>
+        <dsp:cNvSpPr/>
+      </dsp:nvSpPr>
+      <dsp:spPr>
+        <a:xfrm>
+          <a:off x="2743199" y="1219398"/>
+          <a:ext cx="2641600" cy="722312"/>
+        </a:xfrm>
+        <a:prstGeom prst="roundRect">
+          <a:avLst/>
+        </a:prstGeom>
+        <a:solidFill>
+          <a:schemeClr val="lt1">
+            <a:alpha val="90000"/>
+            <a:hueOff val="0"/>
+            <a:satOff val="0"/>
+            <a:lumOff val="0"/>
+            <a:alphaOff val="0"/>
+          </a:schemeClr>
+        </a:solidFill>
+        <a:ln w="6350" cap="flat" cmpd="sng" algn="ctr">
+          <a:solidFill>
+            <a:schemeClr val="accent2">
+              <a:hueOff val="-40000"/>
+              <a:satOff val="0"/>
+              <a:lumOff val="10196"/>
+              <a:alphaOff val="0"/>
+            </a:schemeClr>
+          </a:solidFill>
+          <a:prstDash val="solid"/>
+        </a:ln>
+        <a:effectLst/>
+        <a:sp3d z="57150" extrusionH="63500" prstMaterial="matte"/>
+      </dsp:spPr>
+      <dsp:style>
+        <a:lnRef idx="1">
+          <a:scrgbClr r="0" g="0" b="0"/>
+        </a:lnRef>
+        <a:fillRef idx="1">
+          <a:scrgbClr r="0" g="0" b="0"/>
+        </a:fillRef>
+        <a:effectRef idx="0">
+          <a:scrgbClr r="0" g="0" b="0"/>
+        </a:effectRef>
+        <a:fontRef idx="minor"/>
+      </dsp:style>
+      <dsp:txBody>
+        <a:bodyPr spcFirstLastPara="0" vert="horz" wrap="square" lIns="53340" tIns="53340" rIns="53340" bIns="53340" numCol="1" spcCol="1270" anchor="ctr" anchorCtr="0">
+          <a:noAutofit/>
+        </a:bodyPr>
+        <a:lstStyle/>
+        <a:p>
+          <a:pPr lvl="0" algn="ctr" defTabSz="622300">
+            <a:lnSpc>
+              <a:spcPct val="90000"/>
+            </a:lnSpc>
+            <a:spcBef>
+              <a:spcPct val="0"/>
+            </a:spcBef>
+            <a:spcAft>
+              <a:spcPct val="35000"/>
+            </a:spcAft>
+          </a:pPr>
+          <a:r>
+            <a:rPr lang="en-US" sz="1400" kern="1200" dirty="0" smtClean="0"/>
+            <a:t>Peer to Peer network</a:t>
+          </a:r>
+          <a:endParaRPr lang="en-US" sz="1400" kern="1200" dirty="0"/>
+        </a:p>
+      </dsp:txBody>
+      <dsp:txXfrm>
+        <a:off x="2778459" y="1254658"/>
+        <a:ext cx="2571080" cy="651792"/>
+      </dsp:txXfrm>
+    </dsp:sp>
+    <dsp:sp modelId="{44B45BB8-CB3F-4345-8049-5CD73D44B800}">
+      <dsp:nvSpPr>
+        <dsp:cNvPr id="0" name=""/>
+        <dsp:cNvSpPr/>
+      </dsp:nvSpPr>
+      <dsp:spPr>
+        <a:xfrm>
+          <a:off x="2743199" y="2032000"/>
+          <a:ext cx="2641600" cy="722312"/>
+        </a:xfrm>
+        <a:prstGeom prst="roundRect">
+          <a:avLst/>
+        </a:prstGeom>
+        <a:solidFill>
+          <a:schemeClr val="lt1">
+            <a:alpha val="90000"/>
+            <a:hueOff val="0"/>
+            <a:satOff val="0"/>
+            <a:lumOff val="0"/>
+            <a:alphaOff val="0"/>
+          </a:schemeClr>
+        </a:solidFill>
+        <a:ln w="6350" cap="flat" cmpd="sng" algn="ctr">
+          <a:solidFill>
+            <a:schemeClr val="accent2">
+              <a:hueOff val="-79999"/>
+              <a:satOff val="0"/>
+              <a:lumOff val="20391"/>
+              <a:alphaOff val="0"/>
+            </a:schemeClr>
+          </a:solidFill>
+          <a:prstDash val="solid"/>
+        </a:ln>
+        <a:effectLst/>
+        <a:sp3d z="57150" extrusionH="63500" prstMaterial="matte"/>
+      </dsp:spPr>
+      <dsp:style>
+        <a:lnRef idx="1">
+          <a:scrgbClr r="0" g="0" b="0"/>
+        </a:lnRef>
+        <a:fillRef idx="1">
+          <a:scrgbClr r="0" g="0" b="0"/>
+        </a:fillRef>
+        <a:effectRef idx="0">
+          <a:scrgbClr r="0" g="0" b="0"/>
+        </a:effectRef>
+        <a:fontRef idx="minor"/>
+      </dsp:style>
+      <dsp:txBody>
+        <a:bodyPr spcFirstLastPara="0" vert="horz" wrap="square" lIns="53340" tIns="53340" rIns="53340" bIns="53340" numCol="1" spcCol="1270" anchor="ctr" anchorCtr="0">
+          <a:noAutofit/>
+        </a:bodyPr>
+        <a:lstStyle/>
+        <a:p>
+          <a:pPr lvl="0" algn="ctr" defTabSz="622300">
+            <a:lnSpc>
+              <a:spcPct val="90000"/>
+            </a:lnSpc>
+            <a:spcBef>
+              <a:spcPct val="0"/>
+            </a:spcBef>
+            <a:spcAft>
+              <a:spcPct val="35000"/>
+            </a:spcAft>
+          </a:pPr>
+          <a:r>
+            <a:rPr lang="en-US" sz="1400" kern="1200" dirty="0" smtClean="0"/>
+            <a:t>Cryptographic hashing</a:t>
+          </a:r>
+          <a:endParaRPr lang="en-US" sz="1400" kern="1200" dirty="0"/>
+        </a:p>
+      </dsp:txBody>
+      <dsp:txXfrm>
+        <a:off x="2778459" y="2067260"/>
+        <a:ext cx="2571080" cy="651792"/>
+      </dsp:txXfrm>
+    </dsp:sp>
+    <dsp:sp modelId="{3C3B6143-760B-405E-9529-BFCD23DBD558}">
+      <dsp:nvSpPr>
+        <dsp:cNvPr id="0" name=""/>
+        <dsp:cNvSpPr/>
+      </dsp:nvSpPr>
+      <dsp:spPr>
+        <a:xfrm>
+          <a:off x="2743199" y="2844601"/>
+          <a:ext cx="2641600" cy="722312"/>
+        </a:xfrm>
+        <a:prstGeom prst="roundRect">
+          <a:avLst/>
+        </a:prstGeom>
+        <a:solidFill>
+          <a:schemeClr val="lt1">
+            <a:alpha val="90000"/>
+            <a:hueOff val="0"/>
+            <a:satOff val="0"/>
+            <a:lumOff val="0"/>
+            <a:alphaOff val="0"/>
+          </a:schemeClr>
+        </a:solidFill>
+        <a:ln w="6350" cap="flat" cmpd="sng" algn="ctr">
+          <a:solidFill>
+            <a:schemeClr val="accent2">
+              <a:hueOff val="-119999"/>
+              <a:satOff val="0"/>
+              <a:lumOff val="30587"/>
+              <a:alphaOff val="0"/>
+            </a:schemeClr>
+          </a:solidFill>
+          <a:prstDash val="solid"/>
+        </a:ln>
+        <a:effectLst/>
+        <a:sp3d z="57150" extrusionH="63500" prstMaterial="matte"/>
+      </dsp:spPr>
+      <dsp:style>
+        <a:lnRef idx="1">
+          <a:scrgbClr r="0" g="0" b="0"/>
+        </a:lnRef>
+        <a:fillRef idx="1">
+          <a:scrgbClr r="0" g="0" b="0"/>
+        </a:fillRef>
+        <a:effectRef idx="0">
+          <a:scrgbClr r="0" g="0" b="0"/>
+        </a:effectRef>
+        <a:fontRef idx="minor"/>
+      </dsp:style>
+      <dsp:txBody>
+        <a:bodyPr spcFirstLastPara="0" vert="horz" wrap="square" lIns="53340" tIns="53340" rIns="53340" bIns="53340" numCol="1" spcCol="1270" anchor="ctr" anchorCtr="0">
+          <a:noAutofit/>
+        </a:bodyPr>
+        <a:lstStyle/>
+        <a:p>
+          <a:pPr lvl="0" algn="ctr" defTabSz="622300">
+            <a:lnSpc>
+              <a:spcPct val="90000"/>
+            </a:lnSpc>
+            <a:spcBef>
+              <a:spcPct val="0"/>
+            </a:spcBef>
+            <a:spcAft>
+              <a:spcPct val="35000"/>
+            </a:spcAft>
+          </a:pPr>
+          <a:r>
+            <a:rPr lang="en-US" sz="1400" kern="1200" dirty="0" smtClean="0"/>
+            <a:t>Mining</a:t>
+          </a:r>
+          <a:endParaRPr lang="en-US" sz="1400" kern="1200" dirty="0"/>
+        </a:p>
+      </dsp:txBody>
+      <dsp:txXfrm>
+        <a:off x="2778459" y="2879861"/>
+        <a:ext cx="2571080" cy="651792"/>
+      </dsp:txXfrm>
+    </dsp:sp>
+  </dsp:spTree>
+</dsp:drawing>
+</file>
+
+<file path=ppt/diagrams/layout1.xml><?xml version="1.0" encoding="utf-8"?>
+<dgm:layoutDef xmlns:dgm="http://schemas.openxmlformats.org/drawingml/2006/diagram" xmlns:a="http://schemas.openxmlformats.org/drawingml/2006/main" uniqueId="urn:microsoft.com/office/officeart/2005/8/layout/pyramid2">
+  <dgm:title val=""/>
+  <dgm:desc val=""/>
+  <dgm:catLst>
+    <dgm:cat type="pyramid" pri="3000"/>
+    <dgm:cat type="list" pri="21000"/>
+    <dgm:cat type="convert" pri="17000"/>
+  </dgm:catLst>
+  <dgm:sampData useDef="1">
+    <dgm:dataModel>
+      <dgm:ptLst/>
+      <dgm:bg/>
+      <dgm:whole/>
+    </dgm:dataModel>
+  </dgm:sampData>
+  <dgm:styleData useDef="1">
+    <dgm:dataModel>
+      <dgm:ptLst/>
+      <dgm:bg/>
+      <dgm:whole/>
+    </dgm:dataModel>
+  </dgm:styleData>
+  <dgm:clrData useDef="1">
+    <dgm:dataModel>
+      <dgm:ptLst/>
+      <dgm:bg/>
+      <dgm:whole/>
+    </dgm:dataModel>
+  </dgm:clrData>
+  <dgm:layoutNode name="compositeShape">
+    <dgm:alg type="composite"/>
+    <dgm:shape xmlns:r="http://schemas.openxmlformats.org/officeDocument/2006/relationships" r:blip="">
+      <dgm:adjLst/>
+    </dgm:shape>
+    <dgm:presOf/>
+    <dgm:varLst>
+      <dgm:dir/>
+      <dgm:resizeHandles/>
+    </dgm:varLst>
+    <dgm:choose name="Name0">
+      <dgm:if name="Name1" func="var" arg="dir" op="equ" val="norm">
+        <dgm:constrLst>
+          <dgm:constr type="w" for="ch" forName="pyramid" refType="h"/>
+          <dgm:constr type="h" for="ch" forName="pyramid" refType="h"/>
+          <dgm:constr type="h" for="ch" forName="theList" refType="h" fact="0.8"/>
+          <dgm:constr type="w" for="ch" forName="theList" refType="h" fact="0.65"/>
+          <dgm:constr type="ctrY" for="ch" forName="theList" refType="h" refFor="ch" refForName="pyramid" fact="0.5"/>
+          <dgm:constr type="l" for="ch" forName="theList" refType="w" refFor="ch" refForName="pyramid" fact="0.5"/>
+          <dgm:constr type="h" for="des" forName="aSpace" refType="h" fact="0.1"/>
+        </dgm:constrLst>
+      </dgm:if>
+      <dgm:else name="Name2">
+        <dgm:constrLst>
+          <dgm:constr type="w" for="ch" forName="pyramid" refType="h"/>
+          <dgm:constr type="h" for="ch" forName="pyramid" refType="h"/>
+          <dgm:constr type="h" for="ch" forName="theList" refType="h" fact="0.8"/>
+          <dgm:constr type="w" for="ch" forName="theList" refType="h" fact="0.65"/>
+          <dgm:constr type="ctrY" for="ch" forName="theList" refType="h" refFor="ch" refForName="pyramid" fact="0.5"/>
+          <dgm:constr type="r" for="ch" forName="theList" refType="w" refFor="ch" refForName="pyramid" fact="0.5"/>
+          <dgm:constr type="h" for="des" forName="aSpace" refType="h" fact="0.1"/>
+        </dgm:constrLst>
+      </dgm:else>
+    </dgm:choose>
+    <dgm:ruleLst/>
+    <dgm:choose name="Name3">
+      <dgm:if name="Name4" axis="ch" ptType="node" func="cnt" op="gte" val="1">
+        <dgm:layoutNode name="pyramid" styleLbl="node1">
+          <dgm:alg type="sp"/>
+          <dgm:shape xmlns:r="http://schemas.openxmlformats.org/officeDocument/2006/relationships" type="triangle" r:blip="">
+            <dgm:adjLst/>
+          </dgm:shape>
+          <dgm:presOf/>
+          <dgm:constrLst/>
+          <dgm:ruleLst/>
+        </dgm:layoutNode>
+        <dgm:layoutNode name="theList">
+          <dgm:alg type="lin">
+            <dgm:param type="linDir" val="fromT"/>
+          </dgm:alg>
+          <dgm:shape xmlns:r="http://schemas.openxmlformats.org/officeDocument/2006/relationships" r:blip="">
+            <dgm:adjLst/>
+          </dgm:shape>
+          <dgm:presOf/>
+          <dgm:constrLst>
+            <dgm:constr type="w" for="ch" forName="aNode" refType="w"/>
+            <dgm:constr type="h" for="ch" forName="aNode" refType="h"/>
+            <dgm:constr type="primFontSz" for="ch" ptType="node" op="equ"/>
+          </dgm:constrLst>
+          <dgm:ruleLst/>
+          <dgm:forEach name="aNodeForEach" axis="ch" ptType="node">
+            <dgm:layoutNode name="aNode" styleLbl="fgAcc1">
+              <dgm:varLst>
+                <dgm:bulletEnabled val="1"/>
+              </dgm:varLst>
+              <dgm:alg type="tx"/>
+              <dgm:shape xmlns:r="http://schemas.openxmlformats.org/officeDocument/2006/relationships" type="roundRect" r:blip="">
+                <dgm:adjLst/>
+              </dgm:shape>
+              <dgm:presOf axis="desOrSelf" ptType="node"/>
+              <dgm:constrLst>
+                <dgm:constr type="primFontSz" val="65"/>
+                <dgm:constr type="tMarg" refType="primFontSz" fact="0.3"/>
+                <dgm:constr type="bMarg" refType="primFontSz" fact="0.3"/>
+                <dgm:constr type="lMarg" refType="primFontSz" fact="0.3"/>
+                <dgm:constr type="rMarg" refType="primFontSz" fact="0.3"/>
+              </dgm:constrLst>
+              <dgm:ruleLst>
+                <dgm:rule type="primFontSz" val="5" fact="NaN" max="NaN"/>
+              </dgm:ruleLst>
+            </dgm:layoutNode>
+            <dgm:layoutNode name="aSpace">
+              <dgm:alg type="sp"/>
+              <dgm:shape xmlns:r="http://schemas.openxmlformats.org/officeDocument/2006/relationships" r:blip="">
+                <dgm:adjLst/>
+              </dgm:shape>
+              <dgm:presOf/>
+              <dgm:constrLst/>
+              <dgm:ruleLst/>
+            </dgm:layoutNode>
+          </dgm:forEach>
+        </dgm:layoutNode>
+      </dgm:if>
+      <dgm:else name="Name5"/>
+    </dgm:choose>
+  </dgm:layoutNode>
+</dgm:layoutDef>
+</file>
+
+<file path=ppt/diagrams/quickStyle1.xml><?xml version="1.0" encoding="utf-8"?>
+<dgm:styleDef xmlns:dgm="http://schemas.openxmlformats.org/drawingml/2006/diagram" xmlns:a="http://schemas.openxmlformats.org/drawingml/2006/main" uniqueId="urn:microsoft.com/office/officeart/2005/8/quickstyle/3d5">
+  <dgm:title val=""/>
+  <dgm:desc val=""/>
+  <dgm:catLst>
+    <dgm:cat type="3D" pri="11500"/>
+  </dgm:catLst>
+  <dgm:scene3d>
+    <a:camera prst="isometricOffAxis2Left" zoom="95000"/>
+    <a:lightRig rig="flat" dir="t"/>
+  </dgm:scene3d>
+  <dgm:styleLbl name="node0">
+    <dgm:scene3d>
+      <a:camera prst="orthographicFront"/>
+      <a:lightRig rig="threePt" dir="t"/>
+    </dgm:scene3d>
+    <dgm:sp3d extrusionH="381000" contourW="38100" prstMaterial="matte">
+      <a:contourClr>
+        <a:schemeClr val="lt1"/>
+      </a:contourClr>
+    </dgm:sp3d>
+    <dgm:txPr/>
+    <dgm:style>
+      <a:lnRef idx="0">
+        <a:scrgbClr r="0" g="0" b="0"/>
+      </a:lnRef>
+      <a:fillRef idx="1">
+        <a:scrgbClr r="0" g="0" b="0"/>
+      </a:fillRef>
+      <a:effectRef idx="0">
+        <a:scrgbClr r="0" g="0" b="0"/>
+      </a:effectRef>
+      <a:fontRef idx="minor">
+        <a:schemeClr val="lt1"/>
+      </a:fontRef>
+    </dgm:style>
+  </dgm:styleLbl>
+  <dgm:styleLbl name="lnNode1">
+    <dgm:scene3d>
+      <a:camera prst="orthographicFront"/>
+      <a:lightRig rig="threePt" dir="t"/>
+    </dgm:scene3d>
+    <dgm:sp3d extrusionH="381000" contourW="38100" prstMaterial="matte">
+      <a:contourClr>
+        <a:schemeClr val="lt1"/>
+      </a:contourClr>
+    </dgm:sp3d>
+    <dgm:txPr/>
+    <dgm:style>
+      <a:lnRef idx="0">
+        <a:scrgbClr r="0" g="0" b="0"/>
+      </a:lnRef>
+      <a:fillRef idx="1">
+        <a:scrgbClr r="0" g="0" b="0"/>
+      </a:fillRef>
+      <a:effectRef idx="0">
+        <a:scrgbClr r="0" g="0" b="0"/>
+      </a:effectRef>
+      <a:fontRef idx="minor">
+        <a:schemeClr val="lt1"/>
+      </a:fontRef>
+    </dgm:style>
+  </dgm:styleLbl>
+  <dgm:styleLbl name="vennNode1">
+    <dgm:scene3d>
+      <a:camera prst="orthographicFront"/>
+      <a:lightRig rig="threePt" dir="t"/>
+    </dgm:scene3d>
+    <dgm:sp3d extrusionH="381000" contourW="38100" prstMaterial="matte">
+      <a:contourClr>
+        <a:schemeClr val="lt1"/>
+      </a:contourClr>
+    </dgm:sp3d>
+    <dgm:txPr/>
+    <dgm:style>
+      <a:lnRef idx="0">
+        <a:scrgbClr r="0" g="0" b="0"/>
+      </a:lnRef>
+      <a:fillRef idx="1">
+        <a:scrgbClr r="0" g="0" b="0"/>
+      </a:fillRef>
+      <a:effectRef idx="0">
+        <a:scrgbClr r="0" g="0" b="0"/>
+      </a:effectRef>
+      <a:fontRef idx="minor">
+        <a:schemeClr val="tx1"/>
+      </a:fontRef>
+    </dgm:style>
+  </dgm:styleLbl>
+  <dgm:styleLbl name="alignNode1">
+    <dgm:scene3d>
+      <a:camera prst="orthographicFront"/>
+      <a:lightRig rig="threePt" dir="t"/>
+    </dgm:scene3d>
+    <dgm:sp3d extrusionH="381000" contourW="38100" prstMaterial="matte">
+      <a:contourClr>
+        <a:schemeClr val="lt1"/>
+      </a:contourClr>
+    </dgm:sp3d>
+    <dgm:txPr/>
+    <dgm:style>
+      <a:lnRef idx="1">
+        <a:scrgbClr r="0" g="0" b="0"/>
+      </a:lnRef>
+      <a:fillRef idx="1">
+        <a:scrgbClr r="0" g="0" b="0"/>
+      </a:fillRef>
+      <a:effectRef idx="0">
+        <a:scrgbClr r="0" g="0" b="0"/>
+      </a:effectRef>
+      <a:fontRef idx="minor">
+        <a:schemeClr val="lt1"/>
+      </a:fontRef>
+    </dgm:style>
+  </dgm:styleLbl>
+  <dgm:styleLbl name="node1">
+    <dgm:scene3d>
+      <a:camera prst="orthographicFront"/>
+      <a:lightRig rig="threePt" dir="t"/>
+    </dgm:scene3d>
+    <dgm:sp3d extrusionH="381000" contourW="38100" prstMaterial="matte">
+      <a:contourClr>
+        <a:schemeClr val="lt1"/>
+      </a:contourClr>
+    </dgm:sp3d>
+    <dgm:txPr/>
+    <dgm:style>
+      <a:lnRef idx="0">
+        <a:scrgbClr r="0" g="0" b="0"/>
+      </a:lnRef>
+      <a:fillRef idx="1">
+        <a:scrgbClr r="0" g="0" b="0"/>
+      </a:fillRef>
+      <a:effectRef idx="0">
+        <a:scrgbClr r="0" g="0" b="0"/>
+      </a:effectRef>
+      <a:fontRef idx="minor">
+        <a:schemeClr val="lt1"/>
+      </a:fontRef>
+    </dgm:style>
+  </dgm:styleLbl>
+  <dgm:styleLbl name="node2">
+    <dgm:scene3d>
+      <a:camera prst="orthographicFront"/>
+      <a:lightRig rig="threePt" dir="t"/>
+    </dgm:scene3d>
+    <dgm:sp3d extrusionH="381000" contourW="38100" prstMaterial="matte">
+      <a:contourClr>
+        <a:schemeClr val="lt1"/>
+      </a:contourClr>
+    </dgm:sp3d>
+    <dgm:txPr/>
+    <dgm:style>
+      <a:lnRef idx="0">
+        <a:scrgbClr r="0" g="0" b="0"/>
+      </a:lnRef>
+      <a:fillRef idx="1">
+        <a:scrgbClr r="0" g="0" b="0"/>
+      </a:fillRef>
+      <a:effectRef idx="0">
+        <a:scrgbClr r="0" g="0" b="0"/>
+      </a:effectRef>
+      <a:fontRef idx="minor">
+        <a:schemeClr val="lt1"/>
+      </a:fontRef>
+    </dgm:style>
+  </dgm:styleLbl>
+  <dgm:styleLbl name="node3">
+    <dgm:scene3d>
+      <a:camera prst="orthographicFront"/>
+      <a:lightRig rig="threePt" dir="t"/>
+    </dgm:scene3d>
+    <dgm:sp3d extrusionH="381000" contourW="38100" prstMaterial="matte">
+      <a:contourClr>
+        <a:schemeClr val="lt1"/>
+      </a:contourClr>
+    </dgm:sp3d>
+    <dgm:txPr/>
+    <dgm:style>
+      <a:lnRef idx="0">
+        <a:scrgbClr r="0" g="0" b="0"/>
+      </a:lnRef>
+      <a:fillRef idx="1">
+        <a:scrgbClr r="0" g="0" b="0"/>
+      </a:fillRef>
+      <a:effectRef idx="0">
+        <a:scrgbClr r="0" g="0" b="0"/>
+      </a:effectRef>
+      <a:fontRef idx="minor">
+        <a:schemeClr val="lt1"/>
+      </a:fontRef>
+    </dgm:style>
+  </dgm:styleLbl>
+  <dgm:styleLbl name="node4">
+    <dgm:scene3d>
+      <a:camera prst="orthographicFront"/>
+      <a:lightRig rig="threePt" dir="t"/>
+    </dgm:scene3d>
+    <dgm:sp3d extrusionH="381000" contourW="38100" prstMaterial="matte">
+      <a:contourClr>
+        <a:schemeClr val="lt1"/>
+      </a:contourClr>
+    </dgm:sp3d>
+    <dgm:txPr/>
+    <dgm:style>
+      <a:lnRef idx="0">
+        <a:scrgbClr r="0" g="0" b="0"/>
+      </a:lnRef>
+      <a:fillRef idx="1">
+        <a:scrgbClr r="0" g="0" b="0"/>
+      </a:fillRef>
+      <a:effectRef idx="0">
+        <a:scrgbClr r="0" g="0" b="0"/>
+      </a:effectRef>
+      <a:fontRef idx="minor">
+        <a:schemeClr val="lt1"/>
+      </a:fontRef>
+    </dgm:style>
+  </dgm:styleLbl>
+  <dgm:styleLbl name="fgImgPlace1">
+    <dgm:scene3d>
+      <a:camera prst="orthographicFront"/>
+      <a:lightRig rig="threePt" dir="t"/>
+    </dgm:scene3d>
+    <dgm:sp3d z="57150" extrusionH="63500" contourW="12700" prstMaterial="matte">
+      <a:contourClr>
+        <a:schemeClr val="lt1"/>
+      </a:contourClr>
+    </dgm:sp3d>
+    <dgm:txPr/>
+    <dgm:style>
+      <a:lnRef idx="0">
+        <a:scrgbClr r="0" g="0" b="0"/>
+      </a:lnRef>
+      <a:fillRef idx="1">
+        <a:scrgbClr r="0" g="0" b="0"/>
+      </a:fillRef>
+      <a:effectRef idx="0">
+        <a:scrgbClr r="0" g="0" b="0"/>
+      </a:effectRef>
+      <a:fontRef idx="minor"/>
+    </dgm:style>
+  </dgm:styleLbl>
+  <dgm:styleLbl name="alignImgPlace1">
+    <dgm:scene3d>
+      <a:camera prst="orthographicFront"/>
+      <a:lightRig rig="threePt" dir="t"/>
+    </dgm:scene3d>
+    <dgm:sp3d extrusionH="63500" contourW="12700" prstMaterial="matte">
+      <a:contourClr>
+        <a:schemeClr val="lt1"/>
+      </a:contourClr>
+    </dgm:sp3d>
+    <dgm:txPr/>
+    <dgm:style>
+      <a:lnRef idx="0">
+        <a:scrgbClr r="0" g="0" b="0"/>
+      </a:lnRef>
+      <a:fillRef idx="1">
+        <a:scrgbClr r="0" g="0" b="0"/>
+      </a:fillRef>
+      <a:effectRef idx="0">
+        <a:scrgbClr r="0" g="0" b="0"/>
+      </a:effectRef>
+      <a:fontRef idx="minor"/>
+    </dgm:style>
+  </dgm:styleLbl>
+  <dgm:styleLbl name="bgImgPlace1">
+    <dgm:scene3d>
+      <a:camera prst="orthographicFront"/>
+      <a:lightRig rig="threePt" dir="t"/>
+    </dgm:scene3d>
+    <dgm:sp3d z="-381000" extrusionH="63500" contourW="12700" prstMaterial="matte">
+      <a:contourClr>
+        <a:schemeClr val="lt1"/>
+      </a:contourClr>
+    </dgm:sp3d>
+    <dgm:txPr/>
+    <dgm:style>
+      <a:lnRef idx="0">
+        <a:scrgbClr r="0" g="0" b="0"/>
+      </a:lnRef>
+      <a:fillRef idx="1">
+        <a:scrgbClr r="0" g="0" b="0"/>
+      </a:fillRef>
+      <a:effectRef idx="0">
+        <a:scrgbClr r="0" g="0" b="0"/>
+      </a:effectRef>
+      <a:fontRef idx="minor"/>
+    </dgm:style>
+  </dgm:styleLbl>
+  <dgm:styleLbl name="sibTrans2D1">
+    <dgm:scene3d>
+      <a:camera prst="orthographicFront"/>
+      <a:lightRig rig="threePt" dir="t"/>
+    </dgm:scene3d>
+    <dgm:sp3d z="-52400" extrusionH="181000" contourW="38100" prstMaterial="matte">
+      <a:contourClr>
+        <a:schemeClr val="lt1"/>
+      </a:contourClr>
+    </dgm:sp3d>
+    <dgm:txPr/>
+    <dgm:style>
+      <a:lnRef idx="0">
+        <a:scrgbClr r="0" g="0" b="0"/>
+      </a:lnRef>
+      <a:fillRef idx="1">
+        <a:scrgbClr r="0" g="0" b="0"/>
+      </a:fillRef>
+      <a:effectRef idx="0">
+        <a:scrgbClr r="0" g="0" b="0"/>
+      </a:effectRef>
+      <a:fontRef idx="minor">
+        <a:schemeClr val="lt1"/>
+      </a:fontRef>
+    </dgm:style>
+  </dgm:styleLbl>
+  <dgm:styleLbl name="fgSibTrans2D1">
+    <dgm:scene3d>
+      <a:camera prst="orthographicFront"/>
+      <a:lightRig rig="threePt" dir="t"/>
+    </dgm:scene3d>
+    <dgm:sp3d z="57150" extrusionH="63500" contourW="12700" prstMaterial="matte">
+      <a:contourClr>
+        <a:schemeClr val="dk1">
+          <a:tint val="20000"/>
+        </a:schemeClr>
+      </a:contourClr>
+    </dgm:sp3d>
+    <dgm:txPr/>
+    <dgm:style>
+      <a:lnRef idx="0">
+        <a:scrgbClr r="0" g="0" b="0"/>
+      </a:lnRef>
+      <a:fillRef idx="1">
+        <a:scrgbClr r="0" g="0" b="0"/>
+      </a:fillRef>
+      <a:effectRef idx="0">
+        <a:scrgbClr r="0" g="0" b="0"/>
+      </a:effectRef>
+      <a:fontRef idx="minor">
+        <a:schemeClr val="lt1"/>
+      </a:fontRef>
+    </dgm:style>
+  </dgm:styleLbl>
+  <dgm:styleLbl name="bgSibTrans2D1">
+    <dgm:scene3d>
+      <a:camera prst="orthographicFront"/>
+      <a:lightRig rig="threePt" dir="t"/>
+    </dgm:scene3d>
+    <dgm:sp3d z="-381000" extrusionH="63500" contourW="12700" prstMaterial="matte">
+      <a:contourClr>
+        <a:schemeClr val="dk1">
+          <a:tint val="20000"/>
+        </a:schemeClr>
+      </a:contourClr>
+    </dgm:sp3d>
+    <dgm:txPr/>
+    <dgm:style>
+      <a:lnRef idx="0">
+        <a:scrgbClr r="0" g="0" b="0"/>
+      </a:lnRef>
+      <a:fillRef idx="1">
+        <a:scrgbClr r="0" g="0" b="0"/>
+      </a:fillRef>
+      <a:effectRef idx="0">
+        <a:scrgbClr r="0" g="0" b="0"/>
+      </a:effectRef>
+      <a:fontRef idx="minor">
+        <a:schemeClr val="lt1"/>
+      </a:fontRef>
+    </dgm:style>
+  </dgm:styleLbl>
+  <dgm:styleLbl name="sibTrans1D1">
+    <dgm:scene3d>
+      <a:camera prst="orthographicFront"/>
+      <a:lightRig rig="threePt" dir="t"/>
+    </dgm:scene3d>
+    <dgm:sp3d z="-40000" prstMaterial="matte"/>
+    <dgm:txPr/>
+    <dgm:style>
+      <a:lnRef idx="1">
+        <a:scrgbClr r="0" g="0" b="0"/>
+      </a:lnRef>
+      <a:fillRef idx="0">
+        <a:scrgbClr r="0" g="0" b="0"/>
+      </a:fillRef>
+      <a:effectRef idx="0">
+        <a:scrgbClr r="0" g="0" b="0"/>
+      </a:effectRef>
+      <a:fontRef idx="minor"/>
+    </dgm:style>
+  </dgm:styleLbl>
+  <dgm:styleLbl name="callout">
+    <dgm:scene3d>
+      <a:camera prst="orthographicFront"/>
+      <a:lightRig rig="threePt" dir="t"/>
+    </dgm:scene3d>
+    <dgm:sp3d z="127000" prstMaterial="matte"/>
+    <dgm:txPr/>
+    <dgm:style>
+      <a:lnRef idx="2">
+        <a:scrgbClr r="0" g="0" b="0"/>
+      </a:lnRef>
+      <a:fillRef idx="1">
+        <a:scrgbClr r="0" g="0" b="0"/>
+      </a:fillRef>
+      <a:effectRef idx="0">
+        <a:scrgbClr r="0" g="0" b="0"/>
+      </a:effectRef>
+      <a:fontRef idx="minor"/>
+    </dgm:style>
+  </dgm:styleLbl>
+  <dgm:styleLbl name="asst0">
+    <dgm:scene3d>
+      <a:camera prst="orthographicFront"/>
+      <a:lightRig rig="threePt" dir="t"/>
+    </dgm:scene3d>
+    <dgm:sp3d extrusionH="381000" contourW="38100" prstMaterial="matte">
+      <a:contourClr>
+        <a:schemeClr val="lt1"/>
+      </a:contourClr>
+    </dgm:sp3d>
+    <dgm:txPr/>
+    <dgm:style>
+      <a:lnRef idx="0">
+        <a:scrgbClr r="0" g="0" b="0"/>
+      </a:lnRef>
+      <a:fillRef idx="1">
+        <a:scrgbClr r="0" g="0" b="0"/>
+      </a:fillRef>
+      <a:effectRef idx="0">
+        <a:scrgbClr r="0" g="0" b="0"/>
+      </a:effectRef>
+      <a:fontRef idx="minor">
+        <a:schemeClr val="lt1"/>
+      </a:fontRef>
+    </dgm:style>
+  </dgm:styleLbl>
+  <dgm:styleLbl name="asst1">
+    <dgm:scene3d>
+      <a:camera prst="orthographicFront"/>
+      <a:lightRig rig="threePt" dir="t"/>
+    </dgm:scene3d>
+    <dgm:sp3d extrusionH="381000" contourW="38100" prstMaterial="matte">
+      <a:contourClr>
+        <a:schemeClr val="lt1"/>
+      </a:contourClr>
+    </dgm:sp3d>
+    <dgm:txPr/>
+    <dgm:style>
+      <a:lnRef idx="0">
+        <a:scrgbClr r="0" g="0" b="0"/>
+      </a:lnRef>
+      <a:fillRef idx="1">
+        <a:scrgbClr r="0" g="0" b="0"/>
+      </a:fillRef>
+      <a:effectRef idx="0">
+        <a:scrgbClr r="0" g="0" b="0"/>
+      </a:effectRef>
+      <a:fontRef idx="minor">
+        <a:schemeClr val="lt1"/>
+      </a:fontRef>
+    </dgm:style>
+  </dgm:styleLbl>
+  <dgm:styleLbl name="asst2">
+    <dgm:scene3d>
+      <a:camera prst="orthographicFront"/>
+      <a:lightRig rig="threePt" dir="t"/>
+    </dgm:scene3d>
+    <dgm:sp3d extrusionH="381000" contourW="38100" prstMaterial="matte">
+      <a:contourClr>
+        <a:schemeClr val="lt1"/>
+      </a:contourClr>
+    </dgm:sp3d>
+    <dgm:txPr/>
+    <dgm:style>
+      <a:lnRef idx="0">
+        <a:scrgbClr r="0" g="0" b="0"/>
+      </a:lnRef>
+      <a:fillRef idx="1">
+        <a:scrgbClr r="0" g="0" b="0"/>
+      </a:fillRef>
+      <a:effectRef idx="0">
+        <a:scrgbClr r="0" g="0" b="0"/>
+      </a:effectRef>
+      <a:fontRef idx="minor">
+        <a:schemeClr val="lt1"/>
+      </a:fontRef>
+    </dgm:style>
+  </dgm:styleLbl>
+  <dgm:styleLbl name="asst3">
+    <dgm:scene3d>
+      <a:camera prst="orthographicFront"/>
+      <a:lightRig rig="threePt" dir="t"/>
+    </dgm:scene3d>
+    <dgm:sp3d extrusionH="381000" contourW="38100" prstMaterial="matte">
+      <a:contourClr>
+        <a:schemeClr val="lt1"/>
+      </a:contourClr>
+    </dgm:sp3d>
+    <dgm:txPr/>
+    <dgm:style>
+      <a:lnRef idx="0">
+        <a:scrgbClr r="0" g="0" b="0"/>
+      </a:lnRef>
+      <a:fillRef idx="1">
+        <a:scrgbClr r="0" g="0" b="0"/>
+      </a:fillRef>
+      <a:effectRef idx="0">
+        <a:scrgbClr r="0" g="0" b="0"/>
+      </a:effectRef>
+      <a:fontRef idx="minor">
+        <a:schemeClr val="lt1"/>
+      </a:fontRef>
+    </dgm:style>
+  </dgm:styleLbl>
+  <dgm:styleLbl name="parChTrans2D1">
+    <dgm:scene3d>
+      <a:camera prst="orthographicFront"/>
+      <a:lightRig rig="threePt" dir="t"/>
+    </dgm:scene3d>
+    <dgm:sp3d z="52400" extrusionH="381000" contourW="38100" prstMaterial="matte">
+      <a:contourClr>
+        <a:schemeClr val="lt1"/>
+      </a:contourClr>
+    </dgm:sp3d>
+    <dgm:txPr/>
+    <dgm:style>
+      <a:lnRef idx="0">
+        <a:scrgbClr r="0" g="0" b="0"/>
+      </a:lnRef>
+      <a:fillRef idx="1">
+        <a:scrgbClr r="0" g="0" b="0"/>
+      </a:fillRef>
+      <a:effectRef idx="0">
+        <a:scrgbClr r="0" g="0" b="0"/>
+      </a:effectRef>
+      <a:fontRef idx="minor">
+        <a:schemeClr val="lt1"/>
+      </a:fontRef>
+    </dgm:style>
+  </dgm:styleLbl>
+  <dgm:styleLbl name="parChTrans2D2">
+    <dgm:scene3d>
+      <a:camera prst="orthographicFront"/>
+      <a:lightRig rig="threePt" dir="t"/>
+    </dgm:scene3d>
+    <dgm:sp3d z="52400" extrusionH="381000" contourW="38100" prstMaterial="matte">
+      <a:contourClr>
+        <a:schemeClr val="lt1"/>
+      </a:contourClr>
+    </dgm:sp3d>
+    <dgm:txPr/>
+    <dgm:style>
+      <a:lnRef idx="0">
+        <a:scrgbClr r="0" g="0" b="0"/>
+      </a:lnRef>
+      <a:fillRef idx="1">
+        <a:scrgbClr r="0" g="0" b="0"/>
+      </a:fillRef>
+      <a:effectRef idx="0">
+        <a:scrgbClr r="0" g="0" b="0"/>
+      </a:effectRef>
+      <a:fontRef idx="minor">
+        <a:schemeClr val="lt1"/>
+      </a:fontRef>
+    </dgm:style>
+  </dgm:styleLbl>
+  <dgm:styleLbl name="parChTrans2D3">
+    <dgm:scene3d>
+      <a:camera prst="orthographicFront"/>
+      <a:lightRig rig="threePt" dir="t"/>
+    </dgm:scene3d>
+    <dgm:sp3d z="60000" prstMaterial="flat">
+      <a:bevelT w="120900" h="88900"/>
+      <a:bevelB w="88900" h="31750" prst="angle"/>
+    </dgm:sp3d>
+    <dgm:txPr/>
+    <dgm:style>
+      <a:lnRef idx="0">
+        <a:scrgbClr r="0" g="0" b="0"/>
+      </a:lnRef>
+      <a:fillRef idx="3">
+        <a:scrgbClr r="0" g="0" b="0"/>
+      </a:fillRef>
+      <a:effectRef idx="1">
+        <a:scrgbClr r="0" g="0" b="0"/>
+      </a:effectRef>
+      <a:fontRef idx="minor">
+        <a:schemeClr val="lt1"/>
+      </a:fontRef>
+    </dgm:style>
+  </dgm:styleLbl>
+  <dgm:styleLbl name="parChTrans2D4">
+    <dgm:scene3d>
+      <a:camera prst="orthographicFront"/>
+      <a:lightRig rig="threePt" dir="t"/>
+    </dgm:scene3d>
+    <dgm:sp3d z="60000" prstMaterial="flat">
+      <a:bevelT w="120900" h="88900"/>
+      <a:bevelB w="88900" h="31750" prst="angle"/>
+    </dgm:sp3d>
+    <dgm:txPr/>
+    <dgm:style>
+      <a:lnRef idx="0">
+        <a:scrgbClr r="0" g="0" b="0"/>
+      </a:lnRef>
+      <a:fillRef idx="3">
+        <a:scrgbClr r="0" g="0" b="0"/>
+      </a:fillRef>
+      <a:effectRef idx="1">
+        <a:scrgbClr r="0" g="0" b="0"/>
+      </a:effectRef>
+      <a:fontRef idx="minor">
+        <a:schemeClr val="lt1"/>
+      </a:fontRef>
+    </dgm:style>
+  </dgm:styleLbl>
+  <dgm:styleLbl name="parChTrans1D1">
+    <dgm:scene3d>
+      <a:camera prst="orthographicFront"/>
+      <a:lightRig rig="threePt" dir="t"/>
+    </dgm:scene3d>
+    <dgm:sp3d z="-40000" prstMaterial="matte"/>
+    <dgm:txPr/>
+    <dgm:style>
+      <a:lnRef idx="2">
+        <a:scrgbClr r="0" g="0" b="0"/>
+      </a:lnRef>
+      <a:fillRef idx="0">
+        <a:scrgbClr r="0" g="0" b="0"/>
+      </a:fillRef>
+      <a:effectRef idx="0">
+        <a:scrgbClr r="0" g="0" b="0"/>
+      </a:effectRef>
+      <a:fontRef idx="minor"/>
+    </dgm:style>
+  </dgm:styleLbl>
+  <dgm:styleLbl name="parChTrans1D2">
+    <dgm:scene3d>
+      <a:camera prst="orthographicFront"/>
+      <a:lightRig rig="threePt" dir="t"/>
+    </dgm:scene3d>
+    <dgm:sp3d z="-40000" prstMaterial="matte"/>
+    <dgm:txPr/>
+    <dgm:style>
+      <a:lnRef idx="2">
+        <a:scrgbClr r="0" g="0" b="0"/>
+      </a:lnRef>
+      <a:fillRef idx="0">
+        <a:scrgbClr r="0" g="0" b="0"/>
+      </a:fillRef>
+      <a:effectRef idx="0">
+        <a:scrgbClr r="0" g="0" b="0"/>
+      </a:effectRef>
+      <a:fontRef idx="minor"/>
+    </dgm:style>
+  </dgm:styleLbl>
+  <dgm:styleLbl name="parChTrans1D3">
+    <dgm:scene3d>
+      <a:camera prst="orthographicFront"/>
+      <a:lightRig rig="threePt" dir="t"/>
+    </dgm:scene3d>
+    <dgm:sp3d z="-40000" prstMaterial="matte"/>
+    <dgm:txPr/>
+    <dgm:style>
+      <a:lnRef idx="2">
+        <a:scrgbClr r="0" g="0" b="0"/>
+      </a:lnRef>
+      <a:fillRef idx="0">
+        <a:scrgbClr r="0" g="0" b="0"/>
+      </a:fillRef>
+      <a:effectRef idx="0">
+        <a:scrgbClr r="0" g="0" b="0"/>
+      </a:effectRef>
+      <a:fontRef idx="minor"/>
+    </dgm:style>
+  </dgm:styleLbl>
+  <dgm:styleLbl name="parChTrans1D4">
+    <dgm:scene3d>
+      <a:camera prst="orthographicFront"/>
+      <a:lightRig rig="threePt" dir="t"/>
+    </dgm:scene3d>
+    <dgm:sp3d z="-40000" prstMaterial="matte"/>
+    <dgm:txPr/>
+    <dgm:style>
+      <a:lnRef idx="2">
+        <a:scrgbClr r="0" g="0" b="0"/>
+      </a:lnRef>
+      <a:fillRef idx="0">
+        <a:scrgbClr r="0" g="0" b="0"/>
+      </a:fillRef>
+      <a:effectRef idx="0">
+        <a:scrgbClr r="0" g="0" b="0"/>
+      </a:effectRef>
+      <a:fontRef idx="minor"/>
+    </dgm:style>
+  </dgm:styleLbl>
+  <dgm:styleLbl name="fgAcc1">
+    <dgm:scene3d>
+      <a:camera prst="orthographicFront"/>
+      <a:lightRig rig="threePt" dir="t"/>
+    </dgm:scene3d>
+    <dgm:sp3d z="57150" extrusionH="63500" prstMaterial="matte"/>
+    <dgm:txPr/>
+    <dgm:style>
+      <a:lnRef idx="1">
+        <a:scrgbClr r="0" g="0" b="0"/>
+      </a:lnRef>
+      <a:fillRef idx="1">
+        <a:scrgbClr r="0" g="0" b="0"/>
+      </a:fillRef>
+      <a:effectRef idx="0">
+        <a:scrgbClr r="0" g="0" b="0"/>
+      </a:effectRef>
+      <a:fontRef idx="minor"/>
+    </dgm:style>
+  </dgm:styleLbl>
+  <dgm:styleLbl name="conFgAcc1">
+    <dgm:scene3d>
+      <a:camera prst="orthographicFront"/>
+      <a:lightRig rig="threePt" dir="t"/>
+    </dgm:scene3d>
+    <dgm:sp3d z="-60000" extrusionH="63500" prstMaterial="matte"/>
+    <dgm:txPr/>
+    <dgm:style>
+      <a:lnRef idx="1">
+        <a:scrgbClr r="0" g="0" b="0"/>
+      </a:lnRef>
+      <a:fillRef idx="1">
+        <a:scrgbClr r="0" g="0" b="0"/>
+      </a:fillRef>
+      <a:effectRef idx="0">
+        <a:scrgbClr r="0" g="0" b="0"/>
+      </a:effectRef>
+      <a:fontRef idx="minor"/>
+    </dgm:style>
+  </dgm:styleLbl>
+  <dgm:styleLbl name="alignAcc1">
+    <dgm:scene3d>
+      <a:camera prst="orthographicFront"/>
+      <a:lightRig rig="threePt" dir="t"/>
+    </dgm:scene3d>
+    <dgm:sp3d z="-60000" extrusionH="63500" prstMaterial="matte"/>
+    <dgm:txPr/>
+    <dgm:style>
+      <a:lnRef idx="1">
+        <a:scrgbClr r="0" g="0" b="0"/>
+      </a:lnRef>
+      <a:fillRef idx="1">
+        <a:scrgbClr r="0" g="0" b="0"/>
+      </a:fillRef>
+      <a:effectRef idx="0">
+        <a:scrgbClr r="0" g="0" b="0"/>
+      </a:effectRef>
+      <a:fontRef idx="minor"/>
+    </dgm:style>
+  </dgm:styleLbl>
+  <dgm:styleLbl name="trAlignAcc1">
+    <dgm:scene3d>
+      <a:camera prst="orthographicFront"/>
+      <a:lightRig rig="threePt" dir="t"/>
+    </dgm:scene3d>
+    <dgm:sp3d extrusionH="381000" prstMaterial="matte"/>
+    <dgm:txPr/>
+    <dgm:style>
+      <a:lnRef idx="1">
+        <a:scrgbClr r="0" g="0" b="0"/>
+      </a:lnRef>
+      <a:fillRef idx="1">
+        <a:scrgbClr r="0" g="0" b="0"/>
+      </a:fillRef>
+      <a:effectRef idx="0">
+        <a:scrgbClr r="0" g="0" b="0"/>
+      </a:effectRef>
+      <a:fontRef idx="minor"/>
+    </dgm:style>
+  </dgm:styleLbl>
+  <dgm:styleLbl name="bgAcc1">
+    <dgm:scene3d>
+      <a:camera prst="orthographicFront"/>
+      <a:lightRig rig="threePt" dir="t"/>
+    </dgm:scene3d>
+    <dgm:sp3d z="-400500" extrusionH="63500" prstMaterial="matte"/>
+    <dgm:txPr/>
+    <dgm:style>
+      <a:lnRef idx="1">
+        <a:scrgbClr r="0" g="0" b="0"/>
+      </a:lnRef>
+      <a:fillRef idx="1">
+        <a:scrgbClr r="0" g="0" b="0"/>
+      </a:fillRef>
+      <a:effectRef idx="0">
+        <a:scrgbClr r="0" g="0" b="0"/>
+      </a:effectRef>
+      <a:fontRef idx="minor"/>
+    </dgm:style>
+  </dgm:styleLbl>
+  <dgm:styleLbl name="solidFgAcc1">
+    <dgm:scene3d>
+      <a:camera prst="orthographicFront"/>
+      <a:lightRig rig="threePt" dir="t"/>
+    </dgm:scene3d>
+    <dgm:sp3d z="57150" extrusionH="12700" prstMaterial="flat">
+      <a:bevelT w="50800" h="50800"/>
+    </dgm:sp3d>
+    <dgm:txPr/>
+    <dgm:style>
+      <a:lnRef idx="1">
+        <a:scrgbClr r="0" g="0" b="0"/>
+      </a:lnRef>
+      <a:fillRef idx="1">
+        <a:scrgbClr r="0" g="0" b="0"/>
+      </a:fillRef>
+      <a:effectRef idx="2">
+        <a:scrgbClr r="0" g="0" b="0"/>
+      </a:effectRef>
+      <a:fontRef idx="minor"/>
+    </dgm:style>
+  </dgm:styleLbl>
+  <dgm:styleLbl name="solidAlignAcc1">
+    <dgm:scene3d>
+      <a:camera prst="orthographicFront"/>
+      <a:lightRig rig="threePt" dir="t"/>
+    </dgm:scene3d>
+    <dgm:sp3d extrusionH="12700" prstMaterial="flat">
+      <a:bevelT w="50800" h="50800"/>
+    </dgm:sp3d>
+    <dgm:txPr/>
+    <dgm:style>
+      <a:lnRef idx="1">
+        <a:scrgbClr r="0" g="0" b="0"/>
+      </a:lnRef>
+      <a:fillRef idx="1">
+        <a:scrgbClr r="0" g="0" b="0"/>
+      </a:fillRef>
+      <a:effectRef idx="2">
+        <a:scrgbClr r="0" g="0" b="0"/>
+      </a:effectRef>
+      <a:fontRef idx="minor"/>
+    </dgm:style>
+  </dgm:styleLbl>
+  <dgm:styleLbl name="solidBgAcc1">
+    <dgm:scene3d>
+      <a:camera prst="orthographicFront"/>
+      <a:lightRig rig="threePt" dir="t"/>
+    </dgm:scene3d>
+    <dgm:sp3d z="-63500" extrusionH="63500" prstMaterial="matte"/>
+    <dgm:txPr/>
+    <dgm:style>
+      <a:lnRef idx="1">
+        <a:scrgbClr r="0" g="0" b="0"/>
+      </a:lnRef>
+      <a:fillRef idx="1">
+        <a:scrgbClr r="0" g="0" b="0"/>
+      </a:fillRef>
+      <a:effectRef idx="0">
+        <a:scrgbClr r="0" g="0" b="0"/>
+      </a:effectRef>
+      <a:fontRef idx="minor"/>
+    </dgm:style>
+  </dgm:styleLbl>
+  <dgm:styleLbl name="fgAccFollowNode1">
+    <dgm:scene3d>
+      <a:camera prst="orthographicFront"/>
+      <a:lightRig rig="threePt" dir="t"/>
+    </dgm:scene3d>
+    <dgm:sp3d z="57150" extrusionH="63500" contourW="12700" prstMaterial="matte">
+      <a:contourClr>
+        <a:schemeClr val="dk1">
+          <a:tint val="20000"/>
+        </a:schemeClr>
+      </a:contourClr>
+    </dgm:sp3d>
+    <dgm:txPr/>
+    <dgm:style>
+      <a:lnRef idx="0">
+        <a:scrgbClr r="0" g="0" b="0"/>
+      </a:lnRef>
+      <a:fillRef idx="1">
+        <a:scrgbClr r="0" g="0" b="0"/>
+      </a:fillRef>
+      <a:effectRef idx="0">
+        <a:scrgbClr r="0" g="0" b="0"/>
+      </a:effectRef>
+      <a:fontRef idx="minor"/>
+    </dgm:style>
+  </dgm:styleLbl>
+  <dgm:styleLbl name="alignAccFollowNode1">
+    <dgm:scene3d>
+      <a:camera prst="orthographicFront"/>
+      <a:lightRig rig="threePt" dir="t"/>
+    </dgm:scene3d>
+    <dgm:sp3d extrusionH="381000" contourW="38100" prstMaterial="matte">
+      <a:contourClr>
+        <a:schemeClr val="lt1"/>
+      </a:contourClr>
+    </dgm:sp3d>
+    <dgm:txPr/>
+    <dgm:style>
+      <a:lnRef idx="0">
+        <a:scrgbClr r="0" g="0" b="0"/>
+      </a:lnRef>
+      <a:fillRef idx="1">
+        <a:scrgbClr r="0" g="0" b="0"/>
+      </a:fillRef>
+      <a:effectRef idx="0">
+        <a:scrgbClr r="0" g="0" b="0"/>
+      </a:effectRef>
+      <a:fontRef idx="minor"/>
+    </dgm:style>
+  </dgm:styleLbl>
+  <dgm:styleLbl name="bgAccFollowNode1">
+    <dgm:scene3d>
+      <a:camera prst="orthographicFront"/>
+      <a:lightRig rig="threePt" dir="t"/>
+    </dgm:scene3d>
+    <dgm:sp3d z="-400500" extrusionH="63500" contourW="12700" prstMaterial="matte">
+      <a:contourClr>
+        <a:schemeClr val="lt1"/>
+      </a:contourClr>
+    </dgm:sp3d>
+    <dgm:txPr/>
+    <dgm:style>
+      <a:lnRef idx="0">
+        <a:scrgbClr r="0" g="0" b="0"/>
+      </a:lnRef>
+      <a:fillRef idx="1">
+        <a:scrgbClr r="0" g="0" b="0"/>
+      </a:fillRef>
+      <a:effectRef idx="2">
+        <a:scrgbClr r="0" g="0" b="0"/>
+      </a:effectRef>
+      <a:fontRef idx="minor"/>
+    </dgm:style>
+  </dgm:styleLbl>
+  <dgm:styleLbl name="fgAcc0">
+    <dgm:scene3d>
+      <a:camera prst="orthographicFront"/>
+      <a:lightRig rig="threePt" dir="t"/>
+    </dgm:scene3d>
+    <dgm:sp3d z="57150" extrusionH="63500" prstMaterial="matte"/>
+    <dgm:txPr/>
+    <dgm:style>
+      <a:lnRef idx="1">
+        <a:scrgbClr r="0" g="0" b="0"/>
+      </a:lnRef>
+      <a:fillRef idx="1">
+        <a:scrgbClr r="0" g="0" b="0"/>
+      </a:fillRef>
+      <a:effectRef idx="0">
+        <a:scrgbClr r="0" g="0" b="0"/>
+      </a:effectRef>
+      <a:fontRef idx="minor"/>
+    </dgm:style>
+  </dgm:styleLbl>
+  <dgm:styleLbl name="fgAcc2">
+    <dgm:scene3d>
+      <a:camera prst="orthographicFront"/>
+      <a:lightRig rig="threePt" dir="t"/>
+    </dgm:scene3d>
+    <dgm:sp3d z="57150" extrusionH="63500" prstMaterial="matte"/>
+    <dgm:txPr/>
+    <dgm:style>
+      <a:lnRef idx="1">
+        <a:scrgbClr r="0" g="0" b="0"/>
+      </a:lnRef>
+      <a:fillRef idx="1">
+        <a:scrgbClr r="0" g="0" b="0"/>
+      </a:fillRef>
+      <a:effectRef idx="0">
+        <a:scrgbClr r="0" g="0" b="0"/>
+      </a:effectRef>
+      <a:fontRef idx="minor"/>
+    </dgm:style>
+  </dgm:styleLbl>
+  <dgm:styleLbl name="fgAcc3">
+    <dgm:scene3d>
+      <a:camera prst="orthographicFront"/>
+      <a:lightRig rig="threePt" dir="t"/>
+    </dgm:scene3d>
+    <dgm:sp3d z="57150" extrusionH="63500" prstMaterial="matte"/>
+    <dgm:txPr/>
+    <dgm:style>
+      <a:lnRef idx="1">
+        <a:scrgbClr r="0" g="0" b="0"/>
+      </a:lnRef>
+      <a:fillRef idx="1">
+        <a:scrgbClr r="0" g="0" b="0"/>
+      </a:fillRef>
+      <a:effectRef idx="0">
+        <a:scrgbClr r="0" g="0" b="0"/>
+      </a:effectRef>
+      <a:fontRef idx="minor"/>
+    </dgm:style>
+  </dgm:styleLbl>
+  <dgm:styleLbl name="fgAcc4">
+    <dgm:scene3d>
+      <a:camera prst="orthographicFront"/>
+      <a:lightRig rig="threePt" dir="t"/>
+    </dgm:scene3d>
+    <dgm:sp3d z="57150" extrusionH="63500" prstMaterial="matte"/>
+    <dgm:txPr/>
+    <dgm:style>
+      <a:lnRef idx="1">
+        <a:scrgbClr r="0" g="0" b="0"/>
+      </a:lnRef>
+      <a:fillRef idx="1">
+        <a:scrgbClr r="0" g="0" b="0"/>
+      </a:fillRef>
+      <a:effectRef idx="0">
+        <a:scrgbClr r="0" g="0" b="0"/>
+      </a:effectRef>
+      <a:fontRef idx="minor"/>
+    </dgm:style>
+  </dgm:styleLbl>
+  <dgm:styleLbl name="bgShp">
+    <dgm:scene3d>
+      <a:camera prst="orthographicFront"/>
+      <a:lightRig rig="threePt" dir="t"/>
+    </dgm:scene3d>
+    <dgm:sp3d z="-400500" extrusionH="63500" contourW="12700" prstMaterial="matte">
+      <a:contourClr>
+        <a:schemeClr val="lt1">
+          <a:tint val="50000"/>
+        </a:schemeClr>
+      </a:contourClr>
+    </dgm:sp3d>
+    <dgm:txPr/>
+    <dgm:style>
+      <a:lnRef idx="0">
+        <a:scrgbClr r="0" g="0" b="0"/>
+      </a:lnRef>
+      <a:fillRef idx="1">
+        <a:scrgbClr r="0" g="0" b="0"/>
+      </a:fillRef>
+      <a:effectRef idx="0">
+        <a:scrgbClr r="0" g="0" b="0"/>
+      </a:effectRef>
+      <a:fontRef idx="minor"/>
+    </dgm:style>
+  </dgm:styleLbl>
+  <dgm:styleLbl name="dkBgShp">
+    <dgm:scene3d>
+      <a:camera prst="orthographicFront"/>
+      <a:lightRig rig="threePt" dir="t"/>
+    </dgm:scene3d>
+    <dgm:sp3d extrusionH="381000" contourW="38100" prstMaterial="matte">
+      <a:contourClr>
+        <a:schemeClr val="lt1"/>
+      </a:contourClr>
+    </dgm:sp3d>
+    <dgm:txPr/>
+    <dgm:style>
+      <a:lnRef idx="0">
+        <a:scrgbClr r="0" g="0" b="0"/>
+      </a:lnRef>
+      <a:fillRef idx="1">
+        <a:scrgbClr r="0" g="0" b="0"/>
+      </a:fillRef>
+      <a:effectRef idx="0">
+        <a:scrgbClr r="0" g="0" b="0"/>
+      </a:effectRef>
+      <a:fontRef idx="minor">
+        <a:schemeClr val="lt1"/>
+      </a:fontRef>
+    </dgm:style>
+  </dgm:styleLbl>
+  <dgm:styleLbl name="trBgShp">
+    <dgm:scene3d>
+      <a:camera prst="orthographicFront"/>
+      <a:lightRig rig="threePt" dir="t"/>
+    </dgm:scene3d>
+    <dgm:sp3d z="-400500" prstMaterial="matte"/>
+    <dgm:txPr/>
+    <dgm:style>
+      <a:lnRef idx="0">
+        <a:scrgbClr r="0" g="0" b="0"/>
+      </a:lnRef>
+      <a:fillRef idx="1">
+        <a:scrgbClr r="0" g="0" b="0"/>
+      </a:fillRef>
+      <a:effectRef idx="0">
+        <a:scrgbClr r="0" g="0" b="0"/>
+      </a:effectRef>
+      <a:fontRef idx="minor"/>
+    </dgm:style>
+  </dgm:styleLbl>
+  <dgm:styleLbl name="fgShp">
+    <dgm:scene3d>
+      <a:camera prst="orthographicFront"/>
+      <a:lightRig rig="threePt" dir="t"/>
+    </dgm:scene3d>
+    <dgm:sp3d z="57150" extrusionH="63500" contourW="12700" prstMaterial="matte">
+      <a:contourClr>
+        <a:schemeClr val="lt1">
+          <a:tint val="50000"/>
+        </a:schemeClr>
+      </a:contourClr>
+    </dgm:sp3d>
+    <dgm:txPr/>
+    <dgm:style>
+      <a:lnRef idx="0">
+        <a:scrgbClr r="0" g="0" b="0"/>
+      </a:lnRef>
+      <a:fillRef idx="1">
+        <a:scrgbClr r="0" g="0" b="0"/>
+      </a:fillRef>
+      <a:effectRef idx="0">
+        <a:scrgbClr r="0" g="0" b="0"/>
+      </a:effectRef>
+      <a:fontRef idx="minor"/>
+    </dgm:style>
+  </dgm:styleLbl>
+  <dgm:styleLbl name="revTx">
+    <dgm:scene3d>
+      <a:camera prst="orthographicFront"/>
+      <a:lightRig rig="threePt" dir="t"/>
+    </dgm:scene3d>
+    <dgm:sp3d/>
+    <dgm:txPr/>
+    <dgm:style>
+      <a:lnRef idx="0">
+        <a:scrgbClr r="0" g="0" b="0"/>
+      </a:lnRef>
+      <a:fillRef idx="0">
+        <a:scrgbClr r="0" g="0" b="0"/>
+      </a:fillRef>
+      <a:effectRef idx="0">
+        <a:scrgbClr r="0" g="0" b="0"/>
+      </a:effectRef>
+      <a:fontRef idx="minor"/>
+    </dgm:style>
+  </dgm:styleLbl>
+</dgm:styleDef>
+</file>
+
 <file path=ppt/notesMasters/notesMaster1.xml><?xml version="1.0" encoding="utf-8"?>
 <p:notesMaster xmlns:a="http://schemas.openxmlformats.org/drawingml/2006/main" xmlns:r="http://schemas.openxmlformats.org/officeDocument/2006/relationships" xmlns:p="http://schemas.openxmlformats.org/presentationml/2006/main">
   <p:cSld>
@@ -202,7 +2877,7 @@
           <a:p>
             <a:fld id="{154696EF-4D9D-42AE-9764-58A2F24F66A2}" type="datetimeFigureOut">
               <a:rPr lang="en-US" smtClean="0"/>
-              <a:t>09/Feb/2021</a:t>
+              <a:t>12/Feb/2021</a:t>
             </a:fld>
             <a:endParaRPr lang="en-US"/>
           </a:p>
@@ -554,6 +3229,247 @@
     <p:extLst>
       <p:ext uri="{BB962C8B-B14F-4D97-AF65-F5344CB8AC3E}">
         <p14:creationId xmlns:p14="http://schemas.microsoft.com/office/powerpoint/2010/main" val="4089034989"/>
+      </p:ext>
+    </p:extLst>
+  </p:cSld>
+  <p:clrMapOvr>
+    <a:masterClrMapping/>
+  </p:clrMapOvr>
+</p:notes>
+</file>
+
+<file path=ppt/notesSlides/notesSlide2.xml><?xml version="1.0" encoding="utf-8"?>
+<p:notes xmlns:a="http://schemas.openxmlformats.org/drawingml/2006/main" xmlns:r="http://schemas.openxmlformats.org/officeDocument/2006/relationships" xmlns:p="http://schemas.openxmlformats.org/presentationml/2006/main">
+  <p:cSld>
+    <p:spTree>
+      <p:nvGrpSpPr>
+        <p:cNvPr id="1" name=""/>
+        <p:cNvGrpSpPr/>
+        <p:nvPr/>
+      </p:nvGrpSpPr>
+      <p:grpSpPr>
+        <a:xfrm>
+          <a:off x="0" y="0"/>
+          <a:ext cx="0" cy="0"/>
+          <a:chOff x="0" y="0"/>
+          <a:chExt cx="0" cy="0"/>
+        </a:xfrm>
+      </p:grpSpPr>
+      <p:sp>
+        <p:nvSpPr>
+          <p:cNvPr id="2" name="Slide Image Placeholder 1"/>
+          <p:cNvSpPr>
+            <a:spLocks noGrp="1" noRot="1" noChangeAspect="1"/>
+          </p:cNvSpPr>
+          <p:nvPr>
+            <p:ph type="sldImg"/>
+          </p:nvPr>
+        </p:nvSpPr>
+        <p:spPr/>
+      </p:sp>
+      <p:sp>
+        <p:nvSpPr>
+          <p:cNvPr id="3" name="Notes Placeholder 2"/>
+          <p:cNvSpPr>
+            <a:spLocks noGrp="1"/>
+          </p:cNvSpPr>
+          <p:nvPr>
+            <p:ph type="body" idx="1"/>
+          </p:nvPr>
+        </p:nvSpPr>
+        <p:spPr/>
+        <p:txBody>
+          <a:bodyPr/>
+          <a:lstStyle/>
+          <a:p>
+            <a:r>
+              <a:rPr lang="en-US" dirty="0" smtClean="0"/>
+              <a:t>Distributed</a:t>
+            </a:r>
+            <a:r>
+              <a:rPr lang="en-US" baseline="0" dirty="0" smtClean="0"/>
+              <a:t> across p2p network</a:t>
+            </a:r>
+          </a:p>
+          <a:p>
+            <a:r>
+              <a:rPr lang="en-US" baseline="0" dirty="0" smtClean="0"/>
+              <a:t>Each transaction is hashed.</a:t>
+            </a:r>
+          </a:p>
+          <a:p>
+            <a:r>
+              <a:rPr lang="en-US" baseline="0" dirty="0" smtClean="0"/>
+              <a:t>Chain of blocks, upcoming blocks depends upon the previous blocks hash</a:t>
+            </a:r>
+          </a:p>
+          <a:p>
+            <a:endParaRPr lang="en-US" baseline="0" dirty="0" smtClean="0"/>
+          </a:p>
+          <a:p>
+            <a:r>
+              <a:rPr lang="en-US" sz="1200" b="0" i="0" kern="1200" dirty="0" err="1" smtClean="0">
+                <a:solidFill>
+                  <a:schemeClr val="tx1"/>
+                </a:solidFill>
+                <a:effectLst/>
+                <a:latin typeface="+mn-lt"/>
+                <a:ea typeface="+mn-ea"/>
+                <a:cs typeface="+mn-cs"/>
+              </a:rPr>
+              <a:t>Blockchains</a:t>
+            </a:r>
+            <a:r>
+              <a:rPr lang="en-US" sz="1200" b="0" i="0" kern="1200" dirty="0" smtClean="0">
+                <a:solidFill>
+                  <a:schemeClr val="tx1"/>
+                </a:solidFill>
+                <a:effectLst/>
+                <a:latin typeface="+mn-lt"/>
+                <a:ea typeface="+mn-ea"/>
+                <a:cs typeface="+mn-cs"/>
+              </a:rPr>
+              <a:t> don’t actually </a:t>
+            </a:r>
+            <a:r>
+              <a:rPr lang="en-US" sz="1200" b="1" i="1" kern="1200" dirty="0" smtClean="0">
+                <a:solidFill>
+                  <a:schemeClr val="tx1"/>
+                </a:solidFill>
+                <a:effectLst/>
+                <a:latin typeface="+mn-lt"/>
+                <a:ea typeface="+mn-ea"/>
+                <a:cs typeface="+mn-cs"/>
+              </a:rPr>
+              <a:t>eliminate</a:t>
+            </a:r>
+            <a:r>
+              <a:rPr lang="en-US" sz="1200" b="0" i="0" kern="1200" dirty="0" smtClean="0">
+                <a:solidFill>
+                  <a:schemeClr val="tx1"/>
+                </a:solidFill>
+                <a:effectLst/>
+                <a:latin typeface="+mn-lt"/>
+                <a:ea typeface="+mn-ea"/>
+                <a:cs typeface="+mn-cs"/>
+              </a:rPr>
+              <a:t> trust. What they do is </a:t>
+            </a:r>
+            <a:r>
+              <a:rPr lang="en-US" sz="1200" b="1" i="1" kern="1200" dirty="0" smtClean="0">
+                <a:solidFill>
+                  <a:schemeClr val="tx1"/>
+                </a:solidFill>
+                <a:effectLst/>
+                <a:latin typeface="+mn-lt"/>
+                <a:ea typeface="+mn-ea"/>
+                <a:cs typeface="+mn-cs"/>
+              </a:rPr>
+              <a:t>minimize</a:t>
+            </a:r>
+            <a:r>
+              <a:rPr lang="en-US" sz="1200" b="0" i="0" kern="1200" dirty="0" smtClean="0">
+                <a:solidFill>
+                  <a:schemeClr val="tx1"/>
+                </a:solidFill>
+                <a:effectLst/>
+                <a:latin typeface="+mn-lt"/>
+                <a:ea typeface="+mn-ea"/>
+                <a:cs typeface="+mn-cs"/>
+              </a:rPr>
+              <a:t> the amount of trust required from any single actor in the system. They do this by </a:t>
+            </a:r>
+            <a:r>
+              <a:rPr lang="en-US" sz="1200" b="1" i="1" kern="1200" dirty="0" smtClean="0">
+                <a:solidFill>
+                  <a:schemeClr val="tx1"/>
+                </a:solidFill>
+                <a:effectLst/>
+                <a:latin typeface="+mn-lt"/>
+                <a:ea typeface="+mn-ea"/>
+                <a:cs typeface="+mn-cs"/>
+              </a:rPr>
+              <a:t>distributing</a:t>
+            </a:r>
+            <a:r>
+              <a:rPr lang="en-US" sz="1200" b="0" i="0" kern="1200" dirty="0" smtClean="0">
+                <a:solidFill>
+                  <a:schemeClr val="tx1"/>
+                </a:solidFill>
+                <a:effectLst/>
+                <a:latin typeface="+mn-lt"/>
+                <a:ea typeface="+mn-ea"/>
+                <a:cs typeface="+mn-cs"/>
+              </a:rPr>
+              <a:t> </a:t>
+            </a:r>
+            <a:r>
+              <a:rPr lang="en-US" sz="1200" b="1" i="1" kern="1200" dirty="0" smtClean="0">
+                <a:solidFill>
+                  <a:schemeClr val="tx1"/>
+                </a:solidFill>
+                <a:effectLst/>
+                <a:latin typeface="+mn-lt"/>
+                <a:ea typeface="+mn-ea"/>
+                <a:cs typeface="+mn-cs"/>
+              </a:rPr>
+              <a:t>trust</a:t>
+            </a:r>
+            <a:r>
+              <a:rPr lang="en-US" sz="1200" b="0" i="0" kern="1200" dirty="0" smtClean="0">
+                <a:solidFill>
+                  <a:schemeClr val="tx1"/>
+                </a:solidFill>
+                <a:effectLst/>
+                <a:latin typeface="+mn-lt"/>
+                <a:ea typeface="+mn-ea"/>
+                <a:cs typeface="+mn-cs"/>
+              </a:rPr>
+              <a:t> among different actors in the system by incentivizing</a:t>
+            </a:r>
+            <a:r>
+              <a:rPr lang="en-US" sz="1200" b="0" i="0" kern="1200" baseline="0" dirty="0" smtClean="0">
+                <a:solidFill>
+                  <a:schemeClr val="tx1"/>
+                </a:solidFill>
+                <a:effectLst/>
+                <a:latin typeface="+mn-lt"/>
+                <a:ea typeface="+mn-ea"/>
+                <a:cs typeface="+mn-cs"/>
+              </a:rPr>
+              <a:t> the actors to cooperate with the rules defined</a:t>
+            </a:r>
+            <a:endParaRPr lang="en-US" dirty="0"/>
+          </a:p>
+        </p:txBody>
+      </p:sp>
+      <p:sp>
+        <p:nvSpPr>
+          <p:cNvPr id="4" name="Slide Number Placeholder 3"/>
+          <p:cNvSpPr>
+            <a:spLocks noGrp="1"/>
+          </p:cNvSpPr>
+          <p:nvPr>
+            <p:ph type="sldNum" sz="quarter" idx="10"/>
+          </p:nvPr>
+        </p:nvSpPr>
+        <p:spPr/>
+        <p:txBody>
+          <a:bodyPr/>
+          <a:lstStyle/>
+          <a:p>
+            <a:fld id="{231E8CB0-22D7-4812-9625-A4F006A52C53}" type="slidenum">
+              <a:rPr lang="en-US" smtClean="0"/>
+              <a:t>6</a:t>
+            </a:fld>
+            <a:endParaRPr lang="en-US"/>
+          </a:p>
+        </p:txBody>
+      </p:sp>
+    </p:spTree>
+    <p:extLst>
+      <p:ext uri="{BB962C8B-B14F-4D97-AF65-F5344CB8AC3E}">
+        <p14:creationId xmlns:p14="http://schemas.microsoft.com/office/powerpoint/2010/main" val="316998934"/>
       </p:ext>
     </p:extLst>
   </p:cSld>
@@ -8218,14 +11134,14 @@
             <p:ph idx="4294967295"/>
             <p:extLst>
               <p:ext uri="{D42A27DB-BD31-4B8C-83A1-F6EECF244321}">
-                <p14:modId xmlns:p14="http://schemas.microsoft.com/office/powerpoint/2010/main" val="924887636"/>
+                <p14:modId xmlns:p14="http://schemas.microsoft.com/office/powerpoint/2010/main" val="2791586442"/>
               </p:ext>
             </p:extLst>
           </p:nvPr>
         </p:nvGraphicFramePr>
         <p:xfrm>
           <a:off x="357187" y="1477762"/>
-          <a:ext cx="8429625" cy="2016000"/>
+          <a:ext cx="8429625" cy="2520000"/>
         </p:xfrm>
         <a:graphic>
           <a:graphicData uri="http://schemas.openxmlformats.org/drawingml/2006/table">
@@ -8777,8 +11693,13 @@
                       </a:pPr>
                       <a:r>
                         <a:rPr lang="en-US" b="1" noProof="0" dirty="0" smtClean="0"/>
-                        <a:t>Demo</a:t>
+                        <a:t>Why</a:t>
                       </a:r>
+                      <a:r>
+                        <a:rPr lang="en-US" b="1" baseline="0" noProof="0" dirty="0" smtClean="0"/>
+                        <a:t> Blockchain?</a:t>
+                      </a:r>
+                      <a:endParaRPr lang="en-US" b="1" noProof="0" dirty="0" smtClean="0"/>
                     </a:p>
                   </a:txBody>
                   <a:tcPr marL="90784" marR="90784" anchor="ctr">
@@ -8835,6 +11756,152 @@
                   </a:ext>
                 </a:extLst>
               </a:tr>
+              <a:tr h="504000">
+                <a:tc>
+                  <a:txBody>
+                    <a:bodyPr/>
+                    <a:lstStyle/>
+                    <a:p>
+                      <a:pPr algn="ctr"/>
+                      <a:r>
+                        <a:rPr lang="en-US" b="1" noProof="0" dirty="0" smtClean="0">
+                          <a:solidFill>
+                            <a:schemeClr val="bg1"/>
+                          </a:solidFill>
+                        </a:rPr>
+                        <a:t>5</a:t>
+                      </a:r>
+                      <a:endParaRPr lang="en-US" b="1" noProof="0" dirty="0">
+                        <a:solidFill>
+                          <a:schemeClr val="bg1"/>
+                        </a:solidFill>
+                      </a:endParaRPr>
+                    </a:p>
+                  </a:txBody>
+                  <a:tcPr marL="35742" marR="71484" anchor="ctr">
+                    <a:lnL w="76200" cap="flat" cmpd="sng" algn="ctr">
+                      <a:solidFill>
+                        <a:schemeClr val="tx2"/>
+                      </a:solidFill>
+                      <a:prstDash val="solid"/>
+                      <a:round/>
+                      <a:headEnd type="none" w="med" len="med"/>
+                      <a:tailEnd type="none" w="med" len="med"/>
+                    </a:lnL>
+                    <a:lnR w="76200" cap="flat" cmpd="sng" algn="ctr">
+                      <a:solidFill>
+                        <a:schemeClr val="tx2"/>
+                      </a:solidFill>
+                      <a:prstDash val="solid"/>
+                      <a:round/>
+                      <a:headEnd type="none" w="med" len="med"/>
+                      <a:tailEnd type="none" w="med" len="med"/>
+                    </a:lnR>
+                    <a:lnT w="76200" cap="flat" cmpd="sng" algn="ctr">
+                      <a:solidFill>
+                        <a:schemeClr val="tx2"/>
+                      </a:solidFill>
+                      <a:prstDash val="solid"/>
+                      <a:round/>
+                      <a:headEnd type="none" w="med" len="med"/>
+                      <a:tailEnd type="none" w="med" len="med"/>
+                    </a:lnT>
+                    <a:lnB w="76200" cap="flat" cmpd="sng" algn="ctr">
+                      <a:solidFill>
+                        <a:schemeClr val="tx2"/>
+                      </a:solidFill>
+                      <a:prstDash val="solid"/>
+                      <a:round/>
+                      <a:headEnd type="none" w="med" len="med"/>
+                      <a:tailEnd type="none" w="med" len="med"/>
+                    </a:lnB>
+                    <a:solidFill>
+                      <a:schemeClr val="tx1"/>
+                    </a:solidFill>
+                  </a:tcPr>
+                </a:tc>
+                <a:tc>
+                  <a:txBody>
+                    <a:bodyPr/>
+                    <a:lstStyle/>
+                    <a:p>
+                      <a:pPr marL="0" marR="0" lvl="0" indent="0" algn="l" defTabSz="914400" rtl="0" eaLnBrk="1" fontAlgn="auto" latinLnBrk="0" hangingPunct="1">
+                        <a:lnSpc>
+                          <a:spcPct val="100000"/>
+                        </a:lnSpc>
+                        <a:spcBef>
+                          <a:spcPts val="0"/>
+                        </a:spcBef>
+                        <a:spcAft>
+                          <a:spcPts val="0"/>
+                        </a:spcAft>
+                        <a:buClrTx/>
+                        <a:buSzTx/>
+                        <a:buFontTx/>
+                        <a:buNone/>
+                        <a:tabLst/>
+                        <a:defRPr/>
+                      </a:pPr>
+                      <a:r>
+                        <a:rPr lang="en-US" b="1" noProof="0" dirty="0" smtClean="0"/>
+                        <a:t>Demo</a:t>
+                      </a:r>
+                    </a:p>
+                  </a:txBody>
+                  <a:tcPr marL="90784" marR="90784" anchor="ctr">
+                    <a:lnL w="76200" cap="flat" cmpd="sng" algn="ctr">
+                      <a:solidFill>
+                        <a:schemeClr val="tx2"/>
+                      </a:solidFill>
+                      <a:prstDash val="solid"/>
+                      <a:round/>
+                      <a:headEnd type="none" w="med" len="med"/>
+                      <a:tailEnd type="none" w="med" len="med"/>
+                    </a:lnL>
+                    <a:lnR w="76200" cap="flat" cmpd="sng" algn="ctr">
+                      <a:solidFill>
+                        <a:schemeClr val="tx2"/>
+                      </a:solidFill>
+                      <a:prstDash val="solid"/>
+                      <a:round/>
+                      <a:headEnd type="none" w="med" len="med"/>
+                      <a:tailEnd type="none" w="med" len="med"/>
+                    </a:lnR>
+                    <a:lnT w="76200" cap="flat" cmpd="sng" algn="ctr">
+                      <a:solidFill>
+                        <a:schemeClr val="tx2"/>
+                      </a:solidFill>
+                      <a:prstDash val="solid"/>
+                      <a:round/>
+                      <a:headEnd type="none" w="med" len="med"/>
+                      <a:tailEnd type="none" w="med" len="med"/>
+                    </a:lnT>
+                    <a:lnB w="76200" cap="flat" cmpd="sng" algn="ctr">
+                      <a:solidFill>
+                        <a:schemeClr val="tx2"/>
+                      </a:solidFill>
+                      <a:prstDash val="solid"/>
+                      <a:round/>
+                      <a:headEnd type="none" w="med" len="med"/>
+                      <a:tailEnd type="none" w="med" len="med"/>
+                    </a:lnB>
+                    <a:blipFill dpi="0" rotWithShape="1">
+                      <a:blip r:embed="rId3">
+                        <a:alphaModFix amt="40000"/>
+                      </a:blip>
+                      <a:srcRect/>
+                      <a:stretch>
+                        <a:fillRect/>
+                      </a:stretch>
+                    </a:blipFill>
+                  </a:tcPr>
+                </a:tc>
+                <a:extLst>
+                  <a:ext uri="{0D108BD9-81ED-4DB2-BD59-A6C34878D82A}">
+                    <a16:rowId xmlns:a16="http://schemas.microsoft.com/office/drawing/2014/main" val="490485457"/>
+                  </a:ext>
+                </a:extLst>
+              </a:tr>
             </a:tbl>
           </a:graphicData>
         </a:graphic>
@@ -9165,7 +12232,15 @@
           <a:lstStyle/>
           <a:p>
             <a:pPr algn="ctr"/>
-            <a:endParaRPr lang="en-US" sz="1600" dirty="0" err="1" smtClean="0">
+            <a:r>
+              <a:rPr lang="en-US" sz="1600" dirty="0" smtClean="0">
+                <a:solidFill>
+                  <a:schemeClr val="bg1"/>
+                </a:solidFill>
+              </a:rPr>
+              <a:t>DB</a:t>
+            </a:r>
+            <a:endParaRPr lang="en-US" sz="1600" dirty="0" smtClean="0">
               <a:solidFill>
                 <a:schemeClr val="bg1"/>
               </a:solidFill>
@@ -9577,8 +12652,8 @@
         </p:nvSpPr>
         <p:spPr>
           <a:xfrm>
-            <a:off x="3704683" y="5607516"/>
-            <a:ext cx="1490793" cy="767334"/>
+            <a:off x="3704683" y="5539180"/>
+            <a:ext cx="1490793" cy="835670"/>
           </a:xfrm>
           <a:prstGeom prst="leftRightArrowCallout">
             <a:avLst/>
@@ -9609,11 +12684,75 @@
           <a:lstStyle/>
           <a:p>
             <a:pPr algn="ctr"/>
-            <a:endParaRPr lang="en-US" sz="1600" dirty="0" err="1" smtClean="0">
+            <a:r>
+              <a:rPr lang="en-US" sz="1100" dirty="0" smtClean="0">
+                <a:solidFill>
+                  <a:schemeClr val="bg1"/>
+                </a:solidFill>
+              </a:rPr>
+              <a:t>Uploads changes</a:t>
+            </a:r>
+            <a:endParaRPr lang="en-US" sz="1100" dirty="0" smtClean="0">
               <a:solidFill>
                 <a:schemeClr val="bg1"/>
               </a:solidFill>
             </a:endParaRPr>
+          </a:p>
+        </p:txBody>
+      </p:sp>
+      <p:sp>
+        <p:nvSpPr>
+          <p:cNvPr id="2" name="TextBox 1"/>
+          <p:cNvSpPr txBox="1"/>
+          <p:nvPr/>
+        </p:nvSpPr>
+        <p:spPr>
+          <a:xfrm>
+            <a:off x="6173394" y="6234928"/>
+            <a:ext cx="989053" cy="246221"/>
+          </a:xfrm>
+          <a:prstGeom prst="rect">
+            <a:avLst/>
+          </a:prstGeom>
+        </p:spPr>
+        <p:style>
+          <a:lnRef idx="2">
+            <a:schemeClr val="accent1">
+              <a:shade val="50000"/>
+            </a:schemeClr>
+          </a:lnRef>
+          <a:fillRef idx="1">
+            <a:schemeClr val="accent1"/>
+          </a:fillRef>
+          <a:effectRef idx="0">
+            <a:schemeClr val="accent1"/>
+          </a:effectRef>
+          <a:fontRef idx="minor">
+            <a:schemeClr val="lt1"/>
+          </a:fontRef>
+        </p:style>
+        <p:txBody>
+          <a:bodyPr wrap="none" lIns="0" tIns="0" rIns="0" bIns="0" rtlCol="0">
+            <a:spAutoFit/>
+          </a:bodyPr>
+          <a:lstStyle/>
+          <a:p>
+            <a:pPr>
+              <a:spcBef>
+                <a:spcPts val="400"/>
+              </a:spcBef>
+              <a:spcAft>
+                <a:spcPts val="600"/>
+              </a:spcAft>
+              <a:buClr>
+                <a:schemeClr val="accent1"/>
+              </a:buClr>
+            </a:pPr>
+            <a:r>
+              <a:rPr lang="en-US" sz="1600" dirty="0" smtClean="0"/>
+              <a:t>Blockchain</a:t>
+            </a:r>
+            <a:endParaRPr lang="en-US" sz="1600" dirty="0" smtClean="0"/>
           </a:p>
         </p:txBody>
       </p:sp>
@@ -10661,13 +13800,6 @@
               </a:rPr>
               <a:t>Geth</a:t>
             </a:r>
-            <a:endParaRPr lang="en-US" sz="1600" dirty="0" smtClean="0">
-              <a:solidFill>
-                <a:srgbClr val="131313"/>
-              </a:solidFill>
-              <a:latin typeface="Calibri" panose="020F0502020204030204" pitchFamily="34" charset="0"/>
-              <a:cs typeface="Calibri" panose="020F0502020204030204" pitchFamily="34" charset="0"/>
-            </a:endParaRPr>
           </a:p>
         </p:txBody>
       </p:sp>
@@ -10710,12 +13842,12 @@
       </p:grpSpPr>
       <p:sp>
         <p:nvSpPr>
-          <p:cNvPr id="4" name="Slide Number Placeholder 3"/>
-          <p:cNvSpPr>
-            <a:spLocks noGrp="1"/>
-          </p:cNvSpPr>
-          <p:nvPr>
-            <p:ph type="sldNum" sz="quarter" idx="100"/>
+          <p:cNvPr id="2" name="Title 1"/>
+          <p:cNvSpPr>
+            <a:spLocks noGrp="1"/>
+          </p:cNvSpPr>
+          <p:nvPr>
+            <p:ph type="title"/>
           </p:nvPr>
         </p:nvSpPr>
         <p:spPr/>
@@ -10723,9 +13855,167 @@
           <a:bodyPr/>
           <a:lstStyle/>
           <a:p>
+            <a:r>
+              <a:rPr lang="en-US" dirty="0" smtClean="0"/>
+              <a:t>Why Blockchain?</a:t>
+            </a:r>
+            <a:endParaRPr lang="en-US" dirty="0"/>
+          </a:p>
+        </p:txBody>
+      </p:sp>
+      <p:sp>
+        <p:nvSpPr>
+          <p:cNvPr id="3" name="Title 2"/>
+          <p:cNvSpPr>
+            <a:spLocks noGrp="1"/>
+          </p:cNvSpPr>
+          <p:nvPr>
+            <p:ph type="title" idx="99"/>
+          </p:nvPr>
+        </p:nvSpPr>
+        <p:spPr/>
+        <p:txBody>
+          <a:bodyPr/>
+          <a:lstStyle/>
+          <a:p>
+            <a:r>
+              <a:rPr lang="en-US" dirty="0" smtClean="0"/>
+              <a:t>Ethereum</a:t>
+            </a:r>
+            <a:endParaRPr lang="en-US" dirty="0"/>
+          </a:p>
+        </p:txBody>
+      </p:sp>
+      <p:sp>
+        <p:nvSpPr>
+          <p:cNvPr id="6" name="Content Placeholder 5"/>
+          <p:cNvSpPr>
+            <a:spLocks noGrp="1"/>
+          </p:cNvSpPr>
+          <p:nvPr>
+            <p:ph idx="1"/>
+          </p:nvPr>
+        </p:nvSpPr>
+        <p:spPr/>
+        <p:txBody>
+          <a:bodyPr/>
+          <a:lstStyle/>
+          <a:p>
+            <a:r>
+              <a:rPr lang="en-US" dirty="0" smtClean="0"/>
+              <a:t>State is immutable</a:t>
+            </a:r>
+          </a:p>
+          <a:p>
+            <a:r>
+              <a:rPr lang="en-US" dirty="0" smtClean="0"/>
+              <a:t>Trustless</a:t>
+            </a:r>
+          </a:p>
+          <a:p>
+            <a:r>
+              <a:rPr lang="en-US" dirty="0" smtClean="0"/>
+              <a:t>Smart Contracts</a:t>
+            </a:r>
+          </a:p>
+          <a:p>
+            <a:endParaRPr lang="en-US" dirty="0"/>
+          </a:p>
+        </p:txBody>
+      </p:sp>
+      <p:sp>
+        <p:nvSpPr>
+          <p:cNvPr id="4" name="Slide Number Placeholder 3"/>
+          <p:cNvSpPr>
+            <a:spLocks noGrp="1"/>
+          </p:cNvSpPr>
+          <p:nvPr>
+            <p:ph type="sldNum" sz="quarter" idx="100"/>
+          </p:nvPr>
+        </p:nvSpPr>
+        <p:spPr/>
+        <p:txBody>
+          <a:bodyPr/>
+          <a:lstStyle/>
+          <a:p>
             <a:fld id="{71487F01-72EF-431F-A85A-315AB779E4A4}" type="slidenum">
               <a:rPr lang="en-US" smtClean="0"/>
               <a:t>6</a:t>
+            </a:fld>
+            <a:endParaRPr lang="en-US"/>
+          </a:p>
+        </p:txBody>
+      </p:sp>
+      <p:graphicFrame>
+        <p:nvGraphicFramePr>
+          <p:cNvPr id="7" name="Diagram 6"/>
+          <p:cNvGraphicFramePr/>
+          <p:nvPr>
+            <p:extLst>
+              <p:ext uri="{D42A27DB-BD31-4B8C-83A1-F6EECF244321}">
+                <p14:modId xmlns:p14="http://schemas.microsoft.com/office/powerpoint/2010/main" val="1012839572"/>
+              </p:ext>
+            </p:extLst>
+          </p:nvPr>
+        </p:nvGraphicFramePr>
+        <p:xfrm>
+          <a:off x="3233928" y="2066949"/>
+          <a:ext cx="6096000" cy="4064000"/>
+        </p:xfrm>
+        <a:graphic>
+          <a:graphicData uri="http://schemas.openxmlformats.org/drawingml/2006/diagram">
+            <dgm:relIds xmlns:dgm="http://schemas.openxmlformats.org/drawingml/2006/diagram" xmlns:r="http://schemas.openxmlformats.org/officeDocument/2006/relationships" r:dm="rId3" r:lo="rId4" r:qs="rId5" r:cs="rId6"/>
+          </a:graphicData>
+        </a:graphic>
+      </p:graphicFrame>
+    </p:spTree>
+    <p:extLst>
+      <p:ext uri="{BB962C8B-B14F-4D97-AF65-F5344CB8AC3E}">
+        <p14:creationId xmlns:p14="http://schemas.microsoft.com/office/powerpoint/2010/main" val="1672902341"/>
+      </p:ext>
+    </p:extLst>
+  </p:cSld>
+  <p:clrMapOvr>
+    <a:masterClrMapping/>
+  </p:clrMapOvr>
+</p:sld>
+</file>
+
+<file path=ppt/slides/slide7.xml><?xml version="1.0" encoding="utf-8"?>
+<p:sld xmlns:a="http://schemas.openxmlformats.org/drawingml/2006/main" xmlns:r="http://schemas.openxmlformats.org/officeDocument/2006/relationships" xmlns:p="http://schemas.openxmlformats.org/presentationml/2006/main">
+  <p:cSld>
+    <p:spTree>
+      <p:nvGrpSpPr>
+        <p:cNvPr id="1" name=""/>
+        <p:cNvGrpSpPr/>
+        <p:nvPr/>
+      </p:nvGrpSpPr>
+      <p:grpSpPr>
+        <a:xfrm>
+          <a:off x="0" y="0"/>
+          <a:ext cx="0" cy="0"/>
+          <a:chOff x="0" y="0"/>
+          <a:chExt cx="0" cy="0"/>
+        </a:xfrm>
+      </p:grpSpPr>
+      <p:sp>
+        <p:nvSpPr>
+          <p:cNvPr id="4" name="Slide Number Placeholder 3"/>
+          <p:cNvSpPr>
+            <a:spLocks noGrp="1"/>
+          </p:cNvSpPr>
+          <p:nvPr>
+            <p:ph type="sldNum" sz="quarter" idx="100"/>
+          </p:nvPr>
+        </p:nvSpPr>
+        <p:spPr/>
+        <p:txBody>
+          <a:bodyPr/>
+          <a:lstStyle/>
+          <a:p>
+            <a:fld id="{71487F01-72EF-431F-A85A-315AB779E4A4}" type="slidenum">
+              <a:rPr lang="en-US" smtClean="0"/>
+              <a:t>7</a:t>
             </a:fld>
             <a:endParaRPr lang="en-US"/>
           </a:p>
